--- a/docs/DESTangles.pptx
+++ b/docs/DESTangles.pptx
@@ -104,6 +104,11 @@
       </a:defRPr>
     </a:lvl9pPr>
   </p:defaultTextStyle>
+  <p:extLst>
+    <p:ext uri="{EFAFB233-063F-42B5-8137-9DF3F51BA10A}">
+      <p15:sldGuideLst xmlns:p15="http://schemas.microsoft.com/office/powerpoint/2012/main"/>
+    </p:ext>
+  </p:extLst>
 </p:presentation>
 </file>
 
@@ -238,7 +243,7 @@
           <a:p>
             <a:fld id="{EFE5E818-53A5-4017-9DB5-8CFA9A1E4433}" type="datetimeFigureOut">
               <a:rPr lang="en-US" smtClean="0"/>
-              <a:t>6/21/2018</a:t>
+              <a:t>6/26/2018</a:t>
             </a:fld>
             <a:endParaRPr lang="en-US"/>
           </a:p>
@@ -408,7 +413,7 @@
           <a:p>
             <a:fld id="{EFE5E818-53A5-4017-9DB5-8CFA9A1E4433}" type="datetimeFigureOut">
               <a:rPr lang="en-US" smtClean="0"/>
-              <a:t>6/21/2018</a:t>
+              <a:t>6/26/2018</a:t>
             </a:fld>
             <a:endParaRPr lang="en-US"/>
           </a:p>
@@ -588,7 +593,7 @@
           <a:p>
             <a:fld id="{EFE5E818-53A5-4017-9DB5-8CFA9A1E4433}" type="datetimeFigureOut">
               <a:rPr lang="en-US" smtClean="0"/>
-              <a:t>6/21/2018</a:t>
+              <a:t>6/26/2018</a:t>
             </a:fld>
             <a:endParaRPr lang="en-US"/>
           </a:p>
@@ -758,7 +763,7 @@
           <a:p>
             <a:fld id="{EFE5E818-53A5-4017-9DB5-8CFA9A1E4433}" type="datetimeFigureOut">
               <a:rPr lang="en-US" smtClean="0"/>
-              <a:t>6/21/2018</a:t>
+              <a:t>6/26/2018</a:t>
             </a:fld>
             <a:endParaRPr lang="en-US"/>
           </a:p>
@@ -1004,7 +1009,7 @@
           <a:p>
             <a:fld id="{EFE5E818-53A5-4017-9DB5-8CFA9A1E4433}" type="datetimeFigureOut">
               <a:rPr lang="en-US" smtClean="0"/>
-              <a:t>6/21/2018</a:t>
+              <a:t>6/26/2018</a:t>
             </a:fld>
             <a:endParaRPr lang="en-US"/>
           </a:p>
@@ -1236,7 +1241,7 @@
           <a:p>
             <a:fld id="{EFE5E818-53A5-4017-9DB5-8CFA9A1E4433}" type="datetimeFigureOut">
               <a:rPr lang="en-US" smtClean="0"/>
-              <a:t>6/21/2018</a:t>
+              <a:t>6/26/2018</a:t>
             </a:fld>
             <a:endParaRPr lang="en-US"/>
           </a:p>
@@ -1603,7 +1608,7 @@
           <a:p>
             <a:fld id="{EFE5E818-53A5-4017-9DB5-8CFA9A1E4433}" type="datetimeFigureOut">
               <a:rPr lang="en-US" smtClean="0"/>
-              <a:t>6/21/2018</a:t>
+              <a:t>6/26/2018</a:t>
             </a:fld>
             <a:endParaRPr lang="en-US"/>
           </a:p>
@@ -1721,7 +1726,7 @@
           <a:p>
             <a:fld id="{EFE5E818-53A5-4017-9DB5-8CFA9A1E4433}" type="datetimeFigureOut">
               <a:rPr lang="en-US" smtClean="0"/>
-              <a:t>6/21/2018</a:t>
+              <a:t>6/26/2018</a:t>
             </a:fld>
             <a:endParaRPr lang="en-US"/>
           </a:p>
@@ -1816,7 +1821,7 @@
           <a:p>
             <a:fld id="{EFE5E818-53A5-4017-9DB5-8CFA9A1E4433}" type="datetimeFigureOut">
               <a:rPr lang="en-US" smtClean="0"/>
-              <a:t>6/21/2018</a:t>
+              <a:t>6/26/2018</a:t>
             </a:fld>
             <a:endParaRPr lang="en-US"/>
           </a:p>
@@ -2093,7 +2098,7 @@
           <a:p>
             <a:fld id="{EFE5E818-53A5-4017-9DB5-8CFA9A1E4433}" type="datetimeFigureOut">
               <a:rPr lang="en-US" smtClean="0"/>
-              <a:t>6/21/2018</a:t>
+              <a:t>6/26/2018</a:t>
             </a:fld>
             <a:endParaRPr lang="en-US"/>
           </a:p>
@@ -2346,7 +2351,7 @@
           <a:p>
             <a:fld id="{EFE5E818-53A5-4017-9DB5-8CFA9A1E4433}" type="datetimeFigureOut">
               <a:rPr lang="en-US" smtClean="0"/>
-              <a:t>6/21/2018</a:t>
+              <a:t>6/26/2018</a:t>
             </a:fld>
             <a:endParaRPr lang="en-US"/>
           </a:p>
@@ -2559,7 +2564,7 @@
           <a:p>
             <a:fld id="{EFE5E818-53A5-4017-9DB5-8CFA9A1E4433}" type="datetimeFigureOut">
               <a:rPr lang="en-US" smtClean="0"/>
-              <a:t>6/21/2018</a:t>
+              <a:t>6/26/2018</a:t>
             </a:fld>
             <a:endParaRPr lang="en-US"/>
           </a:p>
@@ -2966,13 +2971,208 @@
       </p:grpSpPr>
       <p:cxnSp>
         <p:nvCxnSpPr>
+          <p:cNvPr id="92" name="Straight Arrow Connector 91"/>
+          <p:cNvCxnSpPr/>
+          <p:nvPr/>
+        </p:nvCxnSpPr>
+        <p:spPr>
+          <a:xfrm flipV="1">
+            <a:off x="2171890" y="2674508"/>
+            <a:ext cx="0" cy="1919141"/>
+          </a:xfrm>
+          <a:prstGeom prst="straightConnector1">
+            <a:avLst/>
+          </a:prstGeom>
+          <a:ln w="19050">
+            <a:solidFill>
+              <a:schemeClr val="tx1"/>
+            </a:solidFill>
+            <a:tailEnd type="triangle" w="lg" len="lg"/>
+          </a:ln>
+        </p:spPr>
+        <p:style>
+          <a:lnRef idx="1">
+            <a:schemeClr val="accent1"/>
+          </a:lnRef>
+          <a:fillRef idx="0">
+            <a:schemeClr val="accent1"/>
+          </a:fillRef>
+          <a:effectRef idx="0">
+            <a:schemeClr val="accent1"/>
+          </a:effectRef>
+          <a:fontRef idx="minor">
+            <a:schemeClr val="tx1"/>
+          </a:fontRef>
+        </p:style>
+      </p:cxnSp>
+      <p:cxnSp>
+        <p:nvCxnSpPr>
+          <p:cNvPr id="90" name="Straight Arrow Connector 89"/>
+          <p:cNvCxnSpPr/>
+          <p:nvPr/>
+        </p:nvCxnSpPr>
+        <p:spPr>
+          <a:xfrm>
+            <a:off x="2171890" y="4593648"/>
+            <a:ext cx="3538562" cy="766417"/>
+          </a:xfrm>
+          <a:prstGeom prst="straightConnector1">
+            <a:avLst/>
+          </a:prstGeom>
+          <a:ln w="19050">
+            <a:solidFill>
+              <a:schemeClr val="tx1"/>
+            </a:solidFill>
+            <a:tailEnd type="triangle" w="lg" len="lg"/>
+          </a:ln>
+        </p:spPr>
+        <p:style>
+          <a:lnRef idx="1">
+            <a:schemeClr val="accent1"/>
+          </a:lnRef>
+          <a:fillRef idx="0">
+            <a:schemeClr val="accent1"/>
+          </a:fillRef>
+          <a:effectRef idx="0">
+            <a:schemeClr val="accent1"/>
+          </a:effectRef>
+          <a:fontRef idx="minor">
+            <a:schemeClr val="tx1"/>
+          </a:fontRef>
+        </p:style>
+      </p:cxnSp>
+      <p:cxnSp>
+        <p:nvCxnSpPr>
+          <p:cNvPr id="91" name="Straight Arrow Connector 90"/>
+          <p:cNvCxnSpPr/>
+          <p:nvPr/>
+        </p:nvCxnSpPr>
+        <p:spPr>
+          <a:xfrm flipH="1">
+            <a:off x="1080620" y="4593648"/>
+            <a:ext cx="1091272" cy="818454"/>
+          </a:xfrm>
+          <a:prstGeom prst="straightConnector1">
+            <a:avLst/>
+          </a:prstGeom>
+          <a:ln w="19050">
+            <a:solidFill>
+              <a:schemeClr val="tx1"/>
+            </a:solidFill>
+            <a:tailEnd type="triangle" w="lg" len="lg"/>
+          </a:ln>
+        </p:spPr>
+        <p:style>
+          <a:lnRef idx="1">
+            <a:schemeClr val="accent1"/>
+          </a:lnRef>
+          <a:fillRef idx="0">
+            <a:schemeClr val="accent1"/>
+          </a:fillRef>
+          <a:effectRef idx="0">
+            <a:schemeClr val="accent1"/>
+          </a:effectRef>
+          <a:fontRef idx="minor">
+            <a:schemeClr val="tx1"/>
+          </a:fontRef>
+        </p:style>
+      </p:cxnSp>
+      <p:cxnSp>
+        <p:nvCxnSpPr>
+          <p:cNvPr id="99" name="Straight Arrow Connector 98"/>
+          <p:cNvCxnSpPr/>
+          <p:nvPr/>
+        </p:nvCxnSpPr>
+        <p:spPr>
+          <a:xfrm>
+            <a:off x="1370751" y="3682610"/>
+            <a:ext cx="3155907" cy="683538"/>
+          </a:xfrm>
+          <a:prstGeom prst="straightConnector1">
+            <a:avLst/>
+          </a:prstGeom>
+          <a:ln w="6350">
+            <a:solidFill>
+              <a:schemeClr val="tx1"/>
+            </a:solidFill>
+            <a:prstDash val="dash"/>
+            <a:tailEnd type="none" w="lg" len="lg"/>
+          </a:ln>
+        </p:spPr>
+        <p:style>
+          <a:lnRef idx="1">
+            <a:schemeClr val="accent1"/>
+          </a:lnRef>
+          <a:fillRef idx="0">
+            <a:schemeClr val="accent1"/>
+          </a:fillRef>
+          <a:effectRef idx="0">
+            <a:schemeClr val="accent1"/>
+          </a:effectRef>
+          <a:fontRef idx="minor">
+            <a:schemeClr val="tx1"/>
+          </a:fontRef>
+        </p:style>
+      </p:cxnSp>
+      <p:sp>
+        <p:nvSpPr>
+          <p:cNvPr id="3" name="Rectangle 2"/>
+          <p:cNvSpPr/>
+          <p:nvPr/>
+        </p:nvSpPr>
+        <p:spPr>
+          <a:xfrm>
+            <a:off x="1913512" y="4304900"/>
+            <a:ext cx="540908" cy="540908"/>
+          </a:xfrm>
+          <a:prstGeom prst="rect">
+            <a:avLst/>
+          </a:prstGeom>
+          <a:scene3d>
+            <a:camera prst="orthographicFront">
+              <a:rot lat="3455103" lon="20966668" rev="4963544"/>
+            </a:camera>
+            <a:lightRig rig="threePt" dir="t"/>
+          </a:scene3d>
+          <a:sp3d>
+            <a:bevelT w="0" h="12700"/>
+            <a:bevelB w="0" h="0"/>
+          </a:sp3d>
+        </p:spPr>
+        <p:style>
+          <a:lnRef idx="2">
+            <a:schemeClr val="accent1">
+              <a:shade val="50000"/>
+            </a:schemeClr>
+          </a:lnRef>
+          <a:fillRef idx="1">
+            <a:schemeClr val="accent1"/>
+          </a:fillRef>
+          <a:effectRef idx="0">
+            <a:schemeClr val="accent1"/>
+          </a:effectRef>
+          <a:fontRef idx="minor">
+            <a:schemeClr val="lt1"/>
+          </a:fontRef>
+        </p:style>
+        <p:txBody>
+          <a:bodyPr rtlCol="0" anchor="ctr"/>
+          <a:lstStyle/>
+          <a:p>
+            <a:pPr algn="ctr"/>
+            <a:endParaRPr lang="en-US"/>
+          </a:p>
+        </p:txBody>
+      </p:sp>
+      <p:cxnSp>
+        <p:nvCxnSpPr>
           <p:cNvPr id="40" name="Straight Arrow Connector 39"/>
           <p:cNvCxnSpPr/>
           <p:nvPr/>
         </p:nvCxnSpPr>
         <p:spPr>
           <a:xfrm flipV="1">
-            <a:off x="7750097" y="2639656"/>
+            <a:off x="8016797" y="3868381"/>
             <a:ext cx="3132196" cy="806080"/>
           </a:xfrm>
           <a:prstGeom prst="straightConnector1">
@@ -3009,7 +3209,7 @@
         </p:nvSpPr>
         <p:spPr>
           <a:xfrm>
-            <a:off x="7756507" y="3184989"/>
+            <a:off x="8023207" y="4413714"/>
             <a:ext cx="1040607" cy="488156"/>
           </a:xfrm>
           <a:custGeom>
@@ -3425,7 +3625,7 @@
         </p:nvSpPr>
         <p:spPr>
           <a:xfrm>
-            <a:off x="7795366" y="3177294"/>
+            <a:off x="8062066" y="4406019"/>
             <a:ext cx="1007269" cy="269080"/>
           </a:xfrm>
           <a:custGeom>
@@ -3923,7 +4123,7 @@
         </p:nvSpPr>
         <p:spPr>
           <a:xfrm>
-            <a:off x="7756435" y="3454827"/>
+            <a:off x="8023135" y="4683552"/>
             <a:ext cx="1031082" cy="385763"/>
           </a:xfrm>
           <a:custGeom>
@@ -4187,7 +4387,7 @@
         </p:nvCxnSpPr>
         <p:spPr>
           <a:xfrm>
-            <a:off x="7743842" y="3451347"/>
+            <a:off x="8010542" y="4680072"/>
             <a:ext cx="3538562" cy="766417"/>
           </a:xfrm>
           <a:prstGeom prst="straightConnector1">
@@ -4223,7 +4423,7 @@
         </p:nvCxnSpPr>
         <p:spPr>
           <a:xfrm flipH="1">
-            <a:off x="6652572" y="3451347"/>
+            <a:off x="6919272" y="4680072"/>
             <a:ext cx="1091272" cy="818454"/>
           </a:xfrm>
           <a:prstGeom prst="straightConnector1">
@@ -4259,7 +4459,7 @@
         </p:nvCxnSpPr>
         <p:spPr>
           <a:xfrm flipV="1">
-            <a:off x="7743842" y="1532207"/>
+            <a:off x="8010542" y="2760932"/>
             <a:ext cx="0" cy="1919141"/>
           </a:xfrm>
           <a:prstGeom prst="straightConnector1">
@@ -4295,7 +4495,7 @@
         </p:nvSpPr>
         <p:spPr>
           <a:xfrm>
-            <a:off x="10896197" y="3714881"/>
+            <a:off x="11162897" y="4943606"/>
             <a:ext cx="284052" cy="369332"/>
           </a:xfrm>
           <a:prstGeom prst="rect">
@@ -4325,7 +4525,7 @@
         </p:nvSpPr>
         <p:spPr>
           <a:xfrm>
-            <a:off x="6683807" y="3774776"/>
+            <a:off x="6950507" y="5003501"/>
             <a:ext cx="288862" cy="369332"/>
           </a:xfrm>
           <a:prstGeom prst="rect">
@@ -4355,7 +4555,7 @@
         </p:nvSpPr>
         <p:spPr>
           <a:xfrm>
-            <a:off x="7743840" y="1630355"/>
+            <a:off x="8010540" y="2859080"/>
             <a:ext cx="288862" cy="369332"/>
           </a:xfrm>
           <a:prstGeom prst="rect">
@@ -4385,7 +4585,7 @@
         </p:nvCxnSpPr>
         <p:spPr>
           <a:xfrm flipH="1">
-            <a:off x="10098611" y="2622994"/>
+            <a:off x="10365311" y="3851719"/>
             <a:ext cx="801137" cy="600853"/>
           </a:xfrm>
           <a:prstGeom prst="straightConnector1">
@@ -4422,7 +4622,7 @@
         </p:nvCxnSpPr>
         <p:spPr>
           <a:xfrm flipH="1">
-            <a:off x="6942703" y="1928771"/>
+            <a:off x="7209403" y="3157496"/>
             <a:ext cx="801137" cy="600853"/>
           </a:xfrm>
           <a:prstGeom prst="straightConnector1">
@@ -4459,7 +4659,7 @@
         </p:nvCxnSpPr>
         <p:spPr>
           <a:xfrm>
-            <a:off x="7743841" y="1930233"/>
+            <a:off x="8010541" y="3158958"/>
             <a:ext cx="3155907" cy="683538"/>
           </a:xfrm>
           <a:prstGeom prst="straightConnector1">
@@ -4496,7 +4696,7 @@
         </p:nvCxnSpPr>
         <p:spPr>
           <a:xfrm>
-            <a:off x="6942703" y="2540309"/>
+            <a:off x="7209403" y="3769034"/>
             <a:ext cx="3155907" cy="683538"/>
           </a:xfrm>
           <a:prstGeom prst="straightConnector1">
@@ -4533,7 +4733,7 @@
         </p:nvCxnSpPr>
         <p:spPr>
           <a:xfrm flipV="1">
-            <a:off x="10899748" y="2622995"/>
+            <a:off x="11166448" y="3851720"/>
             <a:ext cx="0" cy="1495229"/>
           </a:xfrm>
           <a:prstGeom prst="straightConnector1">
@@ -4570,7 +4770,7 @@
         </p:nvCxnSpPr>
         <p:spPr>
           <a:xfrm flipV="1">
-            <a:off x="6942703" y="2540309"/>
+            <a:off x="7209403" y="3769034"/>
             <a:ext cx="0" cy="1495229"/>
           </a:xfrm>
           <a:prstGeom prst="straightConnector1">
@@ -4607,7 +4807,7 @@
         </p:nvCxnSpPr>
         <p:spPr>
           <a:xfrm>
-            <a:off x="6942702" y="4061423"/>
+            <a:off x="7209402" y="5290148"/>
             <a:ext cx="3155907" cy="683538"/>
           </a:xfrm>
           <a:prstGeom prst="straightConnector1">
@@ -4644,7 +4844,7 @@
         </p:nvCxnSpPr>
         <p:spPr>
           <a:xfrm flipH="1">
-            <a:off x="10112513" y="4144108"/>
+            <a:off x="10379213" y="5372833"/>
             <a:ext cx="801137" cy="600853"/>
           </a:xfrm>
           <a:prstGeom prst="straightConnector1">
@@ -4681,7 +4881,7 @@
         </p:nvCxnSpPr>
         <p:spPr>
           <a:xfrm flipV="1">
-            <a:off x="10098609" y="3249732"/>
+            <a:off x="10365309" y="4478457"/>
             <a:ext cx="0" cy="1495229"/>
           </a:xfrm>
           <a:prstGeom prst="straightConnector1">
@@ -4718,7 +4918,7 @@
         </p:nvCxnSpPr>
         <p:spPr>
           <a:xfrm>
-            <a:off x="7770256" y="3451347"/>
+            <a:off x="8036956" y="4680072"/>
             <a:ext cx="2342257" cy="1276953"/>
           </a:xfrm>
           <a:prstGeom prst="straightConnector1">
@@ -4757,7 +4957,7 @@
             </p:nvSpPr>
             <p:spPr>
               <a:xfrm>
-                <a:off x="8563275" y="3641337"/>
+                <a:off x="8829975" y="4870062"/>
                 <a:ext cx="403124" cy="307777"/>
               </a:xfrm>
               <a:prstGeom prst="rect">
@@ -4771,6 +4971,7 @@
               </a:bodyPr>
               <a:lstStyle/>
               <a:p>
+                <a:pPr/>
                 <a14:m>
                   <m:oMathPara xmlns:m="http://schemas.openxmlformats.org/officeDocument/2006/math">
                     <m:oMathParaPr>
@@ -4834,7 +5035,7 @@
             </p:nvSpPr>
             <p:spPr>
               <a:xfrm>
-                <a:off x="8563275" y="3641337"/>
+                <a:off x="8829975" y="4870062"/>
                 <a:ext cx="403124" cy="307777"/>
               </a:xfrm>
               <a:prstGeom prst="rect">
@@ -4872,7 +5073,7 @@
             </p:nvSpPr>
             <p:spPr>
               <a:xfrm>
-                <a:off x="8712684" y="3295458"/>
+                <a:off x="8979384" y="4524183"/>
                 <a:ext cx="409215" cy="324769"/>
               </a:xfrm>
               <a:prstGeom prst="rect">
@@ -4886,6 +5087,7 @@
               </a:bodyPr>
               <a:lstStyle/>
               <a:p>
+                <a:pPr/>
                 <a14:m>
                   <m:oMathPara xmlns:m="http://schemas.openxmlformats.org/officeDocument/2006/math">
                     <m:oMathParaPr>
@@ -4949,7 +5151,7 @@
             </p:nvSpPr>
             <p:spPr>
               <a:xfrm>
-                <a:off x="8712684" y="3295458"/>
+                <a:off x="8979384" y="4524183"/>
                 <a:ext cx="409215" cy="324769"/>
               </a:xfrm>
               <a:prstGeom prst="rect">
@@ -4987,7 +5189,7 @@
             </p:nvSpPr>
             <p:spPr>
               <a:xfrm>
-                <a:off x="7929002" y="3005698"/>
+                <a:off x="8195702" y="4234423"/>
                 <a:ext cx="409215" cy="324769"/>
               </a:xfrm>
               <a:prstGeom prst="rect">
@@ -5001,6 +5203,7 @@
               </a:bodyPr>
               <a:lstStyle/>
               <a:p>
+                <a:pPr/>
                 <a14:m>
                   <m:oMathPara xmlns:m="http://schemas.openxmlformats.org/officeDocument/2006/math">
                     <m:oMathParaPr>
@@ -5064,7 +5267,7 @@
             </p:nvSpPr>
             <p:spPr>
               <a:xfrm>
-                <a:off x="7929002" y="3005698"/>
+                <a:off x="8195702" y="4234423"/>
                 <a:ext cx="409215" cy="324769"/>
               </a:xfrm>
               <a:prstGeom prst="rect">
@@ -5102,7 +5305,7 @@
             </p:nvSpPr>
             <p:spPr>
               <a:xfrm>
-                <a:off x="7726388" y="3523602"/>
+                <a:off x="7993088" y="4752327"/>
                 <a:ext cx="433388" cy="307777"/>
               </a:xfrm>
               <a:prstGeom prst="rect">
@@ -5116,6 +5319,7 @@
               </a:bodyPr>
               <a:lstStyle/>
               <a:p>
+                <a:pPr/>
                 <a14:m>
                   <m:oMathPara xmlns:m="http://schemas.openxmlformats.org/officeDocument/2006/math">
                     <m:oMathParaPr>
@@ -5187,7 +5391,7 @@
             </p:nvSpPr>
             <p:spPr>
               <a:xfrm>
-                <a:off x="7726388" y="3523602"/>
+                <a:off x="7993088" y="4752327"/>
                 <a:ext cx="433388" cy="307777"/>
               </a:xfrm>
               <a:prstGeom prst="rect">
@@ -5225,7 +5429,7 @@
             </p:nvSpPr>
             <p:spPr>
               <a:xfrm>
-                <a:off x="870739" y="573319"/>
+                <a:off x="7580069" y="1074867"/>
                 <a:ext cx="3969035" cy="613438"/>
               </a:xfrm>
               <a:prstGeom prst="rect">
@@ -5719,7 +5923,7 @@
             </p:nvSpPr>
             <p:spPr>
               <a:xfrm>
-                <a:off x="870739" y="573319"/>
+                <a:off x="7580069" y="1074867"/>
                 <a:ext cx="3969035" cy="613438"/>
               </a:xfrm>
               <a:prstGeom prst="rect">
@@ -5757,7 +5961,7 @@
             </p:nvSpPr>
             <p:spPr>
               <a:xfrm>
-                <a:off x="10044484" y="3086667"/>
+                <a:off x="10311184" y="4315392"/>
                 <a:ext cx="313676" cy="307777"/>
               </a:xfrm>
               <a:prstGeom prst="rect">
@@ -5771,6 +5975,7 @@
               </a:bodyPr>
               <a:lstStyle/>
               <a:p>
+                <a:pPr/>
                 <a14:m>
                   <m:oMathPara xmlns:m="http://schemas.openxmlformats.org/officeDocument/2006/math">
                     <m:oMathParaPr>
@@ -5809,7 +6014,7 @@
             </p:nvSpPr>
             <p:spPr>
               <a:xfrm>
-                <a:off x="10044484" y="3086667"/>
+                <a:off x="10311184" y="4315392"/>
                 <a:ext cx="313676" cy="307777"/>
               </a:xfrm>
               <a:prstGeom prst="rect">
@@ -5847,7 +6052,7 @@
             </p:nvSpPr>
             <p:spPr>
               <a:xfrm>
-                <a:off x="10004902" y="4664684"/>
+                <a:off x="10271602" y="5893409"/>
                 <a:ext cx="436081" cy="307777"/>
               </a:xfrm>
               <a:prstGeom prst="rect">
@@ -5861,6 +6066,7 @@
               </a:bodyPr>
               <a:lstStyle/>
               <a:p>
+                <a:pPr/>
                 <a14:m>
                   <m:oMathPara xmlns:m="http://schemas.openxmlformats.org/officeDocument/2006/math">
                     <m:oMathParaPr>
@@ -5924,7 +6130,7 @@
             </p:nvSpPr>
             <p:spPr>
               <a:xfrm>
-                <a:off x="10004902" y="4664684"/>
+                <a:off x="10271602" y="5893409"/>
                 <a:ext cx="436081" cy="307777"/>
               </a:xfrm>
               <a:prstGeom prst="rect">
@@ -5962,7 +6168,7 @@
             </p:nvSpPr>
             <p:spPr>
               <a:xfrm>
-                <a:off x="10839912" y="2443220"/>
+                <a:off x="11106612" y="3671945"/>
                 <a:ext cx="442492" cy="324769"/>
               </a:xfrm>
               <a:prstGeom prst="rect">
@@ -5976,6 +6182,7 @@
               </a:bodyPr>
               <a:lstStyle/>
               <a:p>
+                <a:pPr/>
                 <a14:m>
                   <m:oMathPara xmlns:m="http://schemas.openxmlformats.org/officeDocument/2006/math">
                     <m:oMathParaPr>
@@ -6039,7 +6246,7 @@
             </p:nvSpPr>
             <p:spPr>
               <a:xfrm>
-                <a:off x="10839912" y="2443220"/>
+                <a:off x="11106612" y="3671945"/>
                 <a:ext cx="442492" cy="324769"/>
               </a:xfrm>
               <a:prstGeom prst="rect">
@@ -6077,7 +6284,7 @@
             </p:nvSpPr>
             <p:spPr>
               <a:xfrm>
-                <a:off x="870739" y="1394694"/>
+                <a:off x="7580069" y="1896242"/>
                 <a:ext cx="3943131" cy="644472"/>
               </a:xfrm>
               <a:prstGeom prst="rect">
@@ -6503,7 +6710,7 @@
             </p:nvSpPr>
             <p:spPr>
               <a:xfrm>
-                <a:off x="870739" y="1394694"/>
+                <a:off x="7580069" y="1896242"/>
                 <a:ext cx="3943131" cy="644472"/>
               </a:xfrm>
               <a:prstGeom prst="rect">
@@ -6531,187 +6738,43 @@
           </p:sp>
         </mc:Fallback>
       </mc:AlternateContent>
-      <mc:AlternateContent xmlns:mc="http://schemas.openxmlformats.org/markup-compatibility/2006">
-        <mc:Choice xmlns:a14="http://schemas.microsoft.com/office/drawing/2010/main" Requires="a14">
-          <p:sp>
-            <p:nvSpPr>
-              <p:cNvPr id="55" name="Rectangle 54"/>
-              <p:cNvSpPr/>
-              <p:nvPr/>
-            </p:nvSpPr>
-            <p:spPr>
-              <a:xfrm>
-                <a:off x="870739" y="2732740"/>
-                <a:ext cx="3131242" cy="562718"/>
-              </a:xfrm>
-              <a:prstGeom prst="rect">
-                <a:avLst/>
-              </a:prstGeom>
-            </p:spPr>
-            <p:txBody>
-              <a:bodyPr wrap="none">
-                <a:spAutoFit/>
-              </a:bodyPr>
-              <a:lstStyle/>
-              <a:p>
-                <a:r>
-                  <a:rPr lang="en-US" sz="2800" b="1" dirty="0" smtClean="0">
-                    <a:solidFill>
-                      <a:srgbClr val="FF0000"/>
-                    </a:solidFill>
-                  </a:rPr>
-                  <a:t>DEST</a:t>
-                </a:r>
-                <a14:m>
-                  <m:oMath xmlns:m="http://schemas.openxmlformats.org/officeDocument/2006/math">
-                    <m:sSub>
-                      <m:sSubPr>
-                        <m:ctrlPr>
-                          <a:rPr lang="en-US" sz="2800" b="1" i="1" smtClean="0">
-                            <a:solidFill>
-                              <a:srgbClr val="FF0000"/>
-                            </a:solidFill>
-                            <a:latin typeface="Cambria Math" panose="02040503050406030204" pitchFamily="18" charset="0"/>
-                          </a:rPr>
-                        </m:ctrlPr>
-                      </m:sSubPr>
-                      <m:e>
-                        <m:r>
-                          <a:rPr lang="en-US" sz="2800" b="1" i="1" smtClean="0">
-                            <a:solidFill>
-                              <a:srgbClr val="FF0000"/>
-                            </a:solidFill>
-                            <a:latin typeface="Cambria Math" panose="02040503050406030204" pitchFamily="18" charset="0"/>
-                          </a:rPr>
-                          <m:t> </m:t>
-                        </m:r>
-                        <m:r>
-                          <a:rPr lang="en-US" sz="2800" b="1" i="1" smtClean="0">
-                            <a:solidFill>
-                              <a:srgbClr val="FF0000"/>
-                            </a:solidFill>
-                            <a:latin typeface="Cambria Math" panose="02040503050406030204" pitchFamily="18" charset="0"/>
-                          </a:rPr>
-                          <m:t>𝜽</m:t>
-                        </m:r>
-                      </m:e>
-                      <m:sub>
-                        <m:r>
-                          <a:rPr lang="en-US" sz="2800" b="1" i="1" smtClean="0">
-                            <a:solidFill>
-                              <a:srgbClr val="FF0000"/>
-                            </a:solidFill>
-                            <a:latin typeface="Cambria Math" panose="02040503050406030204" pitchFamily="18" charset="0"/>
-                          </a:rPr>
-                          <m:t>𝒘</m:t>
-                        </m:r>
-                      </m:sub>
-                    </m:sSub>
-                  </m:oMath>
-                </a14:m>
-                <a:r>
-                  <a:rPr lang="en-US" sz="2800" b="1" dirty="0" smtClean="0">
-                    <a:solidFill>
-                      <a:srgbClr val="FF0000"/>
-                    </a:solidFill>
-                  </a:rPr>
-                  <a:t> = DIGG </a:t>
-                </a:r>
-                <a14:m>
-                  <m:oMath xmlns:m="http://schemas.openxmlformats.org/officeDocument/2006/math">
-                    <m:sSub>
-                      <m:sSubPr>
-                        <m:ctrlPr>
-                          <a:rPr lang="en-US" sz="2800" b="1" i="1" smtClean="0">
-                            <a:solidFill>
-                              <a:srgbClr val="FF0000"/>
-                            </a:solidFill>
-                            <a:latin typeface="Cambria Math" panose="02040503050406030204" pitchFamily="18" charset="0"/>
-                          </a:rPr>
-                        </m:ctrlPr>
-                      </m:sSubPr>
-                      <m:e>
-                        <m:r>
-                          <a:rPr lang="en-US" sz="2800" b="1" i="1" smtClean="0">
-                            <a:solidFill>
-                              <a:srgbClr val="FF0000"/>
-                            </a:solidFill>
-                            <a:latin typeface="Cambria Math" panose="02040503050406030204" pitchFamily="18" charset="0"/>
-                          </a:rPr>
-                          <m:t> </m:t>
-                        </m:r>
-                        <m:r>
-                          <a:rPr lang="en-US" sz="2800" b="1" i="1" smtClean="0">
-                            <a:solidFill>
-                              <a:srgbClr val="FF0000"/>
-                            </a:solidFill>
-                            <a:latin typeface="Cambria Math" panose="02040503050406030204" pitchFamily="18" charset="0"/>
-                          </a:rPr>
-                          <m:t>𝜽</m:t>
-                        </m:r>
-                      </m:e>
-                      <m:sub>
-                        <m:r>
-                          <a:rPr lang="en-US" sz="2800" b="1" i="1" smtClean="0">
-                            <a:solidFill>
-                              <a:srgbClr val="FF0000"/>
-                            </a:solidFill>
-                            <a:latin typeface="Cambria Math" panose="02040503050406030204" pitchFamily="18" charset="0"/>
-                          </a:rPr>
-                          <m:t>𝒚</m:t>
-                        </m:r>
-                      </m:sub>
-                    </m:sSub>
-                  </m:oMath>
-                </a14:m>
-                <a:endParaRPr lang="en-US" sz="2800" b="1" dirty="0">
-                  <a:solidFill>
-                    <a:srgbClr val="FF0000"/>
-                  </a:solidFill>
-                </a:endParaRPr>
-              </a:p>
-            </p:txBody>
-          </p:sp>
-        </mc:Choice>
-        <mc:Fallback>
-          <p:sp>
-            <p:nvSpPr>
-              <p:cNvPr id="55" name="Rectangle 54"/>
-              <p:cNvSpPr>
-                <a:spLocks noRot="1" noChangeAspect="1" noMove="1" noResize="1" noEditPoints="1" noAdjustHandles="1" noChangeArrowheads="1" noChangeShapeType="1" noTextEdit="1"/>
-              </p:cNvSpPr>
-              <p:nvPr/>
-            </p:nvSpPr>
-            <p:spPr>
-              <a:xfrm>
-                <a:off x="870739" y="2732740"/>
-                <a:ext cx="3131242" cy="562718"/>
-              </a:xfrm>
-              <a:prstGeom prst="rect">
-                <a:avLst/>
-              </a:prstGeom>
-              <a:blipFill rotWithShape="0">
-                <a:blip r:embed="rId11"/>
-                <a:stretch>
-                  <a:fillRect l="-4094" t="-9677" b="-22581"/>
-                </a:stretch>
-              </a:blipFill>
-            </p:spPr>
-            <p:txBody>
-              <a:bodyPr/>
-              <a:lstStyle/>
-              <a:p>
-                <a:r>
-                  <a:rPr lang="en-US">
-                    <a:noFill/>
-                  </a:rPr>
-                  <a:t> </a:t>
-                </a:r>
-              </a:p>
-            </p:txBody>
-          </p:sp>
-        </mc:Fallback>
-      </mc:AlternateContent>
+      <p:sp>
+        <p:nvSpPr>
+          <p:cNvPr id="55" name="Rectangle 54"/>
+          <p:cNvSpPr/>
+          <p:nvPr/>
+        </p:nvSpPr>
+        <p:spPr>
+          <a:xfrm>
+            <a:off x="617512" y="187705"/>
+            <a:ext cx="965329" cy="523220"/>
+          </a:xfrm>
+          <a:prstGeom prst="rect">
+            <a:avLst/>
+          </a:prstGeom>
+        </p:spPr>
+        <p:txBody>
+          <a:bodyPr wrap="none">
+            <a:spAutoFit/>
+          </a:bodyPr>
+          <a:lstStyle/>
+          <a:p>
+            <a:r>
+              <a:rPr lang="en-US" sz="2800" b="1" dirty="0" smtClean="0">
+                <a:solidFill>
+                  <a:srgbClr val="FF0000"/>
+                </a:solidFill>
+              </a:rPr>
+              <a:t>DIGG</a:t>
+            </a:r>
+            <a:endParaRPr lang="en-US" sz="2800" b="1" dirty="0">
+              <a:solidFill>
+                <a:srgbClr val="FF0000"/>
+              </a:solidFill>
+            </a:endParaRPr>
+          </a:p>
+        </p:txBody>
+      </p:sp>
       <p:sp>
         <p:nvSpPr>
           <p:cNvPr id="61" name="Freeform 60"/>
@@ -6720,7 +6783,7 @@
         </p:nvSpPr>
         <p:spPr>
           <a:xfrm>
-            <a:off x="7760438" y="3382081"/>
+            <a:off x="8027138" y="4610806"/>
             <a:ext cx="715169" cy="455613"/>
           </a:xfrm>
           <a:custGeom>
@@ -7228,7 +7291,7 @@
         </p:nvCxnSpPr>
         <p:spPr>
           <a:xfrm flipV="1">
-            <a:off x="7743841" y="3223847"/>
+            <a:off x="8010541" y="4452572"/>
             <a:ext cx="2354770" cy="227500"/>
           </a:xfrm>
           <a:prstGeom prst="straightConnector1">
@@ -7267,7 +7330,7 @@
         </p:nvSpPr>
         <p:spPr>
           <a:xfrm>
-            <a:off x="9880745" y="3232204"/>
+            <a:off x="10147445" y="4460929"/>
             <a:ext cx="45719" cy="45719"/>
           </a:xfrm>
           <a:prstGeom prst="ellipse">
@@ -7317,7 +7380,7 @@
         </p:nvSpPr>
         <p:spPr>
           <a:xfrm>
-            <a:off x="10029353" y="3056368"/>
+            <a:off x="10296053" y="4285093"/>
             <a:ext cx="359388" cy="359388"/>
           </a:xfrm>
           <a:prstGeom prst="ellipse">
@@ -7359,6 +7422,2701 @@
           </a:p>
         </p:txBody>
       </p:sp>
+      <p:cxnSp>
+        <p:nvCxnSpPr>
+          <p:cNvPr id="86" name="Straight Arrow Connector 85"/>
+          <p:cNvCxnSpPr/>
+          <p:nvPr/>
+        </p:nvCxnSpPr>
+        <p:spPr>
+          <a:xfrm flipV="1">
+            <a:off x="2178145" y="3781957"/>
+            <a:ext cx="3132196" cy="806080"/>
+          </a:xfrm>
+          <a:prstGeom prst="straightConnector1">
+            <a:avLst/>
+          </a:prstGeom>
+          <a:ln w="6350">
+            <a:solidFill>
+              <a:schemeClr val="tx1"/>
+            </a:solidFill>
+            <a:prstDash val="dash"/>
+            <a:tailEnd type="none" w="lg" len="lg"/>
+          </a:ln>
+        </p:spPr>
+        <p:style>
+          <a:lnRef idx="1">
+            <a:schemeClr val="accent1"/>
+          </a:lnRef>
+          <a:fillRef idx="0">
+            <a:schemeClr val="accent1"/>
+          </a:fillRef>
+          <a:effectRef idx="0">
+            <a:schemeClr val="accent1"/>
+          </a:effectRef>
+          <a:fontRef idx="minor">
+            <a:schemeClr val="tx1"/>
+          </a:fontRef>
+        </p:style>
+      </p:cxnSp>
+      <p:sp>
+        <p:nvSpPr>
+          <p:cNvPr id="89" name="Freeform 88"/>
+          <p:cNvSpPr/>
+          <p:nvPr/>
+        </p:nvSpPr>
+        <p:spPr>
+          <a:xfrm>
+            <a:off x="2184483" y="4597128"/>
+            <a:ext cx="1031082" cy="385763"/>
+          </a:xfrm>
+          <a:custGeom>
+            <a:avLst/>
+            <a:gdLst>
+              <a:gd name="connsiteX0" fmla="*/ 4644 w 1053757"/>
+              <a:gd name="connsiteY0" fmla="*/ 1620 h 361946"/>
+              <a:gd name="connsiteX1" fmla="*/ 666632 w 1053757"/>
+              <a:gd name="connsiteY1" fmla="*/ 354045 h 361946"/>
+              <a:gd name="connsiteX2" fmla="*/ 1030963 w 1053757"/>
+              <a:gd name="connsiteY2" fmla="*/ 227839 h 361946"/>
+              <a:gd name="connsiteX3" fmla="*/ 4644 w 1053757"/>
+              <a:gd name="connsiteY3" fmla="*/ 1620 h 361946"/>
+              <a:gd name="connsiteX0" fmla="*/ 4644 w 1053757"/>
+              <a:gd name="connsiteY0" fmla="*/ 1620 h 361946"/>
+              <a:gd name="connsiteX1" fmla="*/ 666632 w 1053757"/>
+              <a:gd name="connsiteY1" fmla="*/ 354045 h 361946"/>
+              <a:gd name="connsiteX2" fmla="*/ 1030963 w 1053757"/>
+              <a:gd name="connsiteY2" fmla="*/ 227839 h 361946"/>
+              <a:gd name="connsiteX3" fmla="*/ 4644 w 1053757"/>
+              <a:gd name="connsiteY3" fmla="*/ 1620 h 361946"/>
+              <a:gd name="connsiteX0" fmla="*/ 0 w 1049113"/>
+              <a:gd name="connsiteY0" fmla="*/ 1620 h 361946"/>
+              <a:gd name="connsiteX1" fmla="*/ 661988 w 1049113"/>
+              <a:gd name="connsiteY1" fmla="*/ 354045 h 361946"/>
+              <a:gd name="connsiteX2" fmla="*/ 1026319 w 1049113"/>
+              <a:gd name="connsiteY2" fmla="*/ 227839 h 361946"/>
+              <a:gd name="connsiteX3" fmla="*/ 0 w 1049113"/>
+              <a:gd name="connsiteY3" fmla="*/ 1620 h 361946"/>
+              <a:gd name="connsiteX0" fmla="*/ 0 w 1049113"/>
+              <a:gd name="connsiteY0" fmla="*/ 0 h 360326"/>
+              <a:gd name="connsiteX1" fmla="*/ 661988 w 1049113"/>
+              <a:gd name="connsiteY1" fmla="*/ 352425 h 360326"/>
+              <a:gd name="connsiteX2" fmla="*/ 1026319 w 1049113"/>
+              <a:gd name="connsiteY2" fmla="*/ 226219 h 360326"/>
+              <a:gd name="connsiteX3" fmla="*/ 0 w 1049113"/>
+              <a:gd name="connsiteY3" fmla="*/ 0 h 360326"/>
+              <a:gd name="connsiteX0" fmla="*/ 0 w 1049113"/>
+              <a:gd name="connsiteY0" fmla="*/ 0 h 360326"/>
+              <a:gd name="connsiteX1" fmla="*/ 661988 w 1049113"/>
+              <a:gd name="connsiteY1" fmla="*/ 352425 h 360326"/>
+              <a:gd name="connsiteX2" fmla="*/ 1026319 w 1049113"/>
+              <a:gd name="connsiteY2" fmla="*/ 226219 h 360326"/>
+              <a:gd name="connsiteX3" fmla="*/ 0 w 1049113"/>
+              <a:gd name="connsiteY3" fmla="*/ 0 h 360326"/>
+              <a:gd name="connsiteX0" fmla="*/ 0 w 1049113"/>
+              <a:gd name="connsiteY0" fmla="*/ 0 h 360326"/>
+              <a:gd name="connsiteX1" fmla="*/ 661988 w 1049113"/>
+              <a:gd name="connsiteY1" fmla="*/ 352425 h 360326"/>
+              <a:gd name="connsiteX2" fmla="*/ 1026319 w 1049113"/>
+              <a:gd name="connsiteY2" fmla="*/ 226219 h 360326"/>
+              <a:gd name="connsiteX3" fmla="*/ 0 w 1049113"/>
+              <a:gd name="connsiteY3" fmla="*/ 0 h 360326"/>
+              <a:gd name="connsiteX0" fmla="*/ 0 w 1049113"/>
+              <a:gd name="connsiteY0" fmla="*/ 0 h 360326"/>
+              <a:gd name="connsiteX1" fmla="*/ 661988 w 1049113"/>
+              <a:gd name="connsiteY1" fmla="*/ 352425 h 360326"/>
+              <a:gd name="connsiteX2" fmla="*/ 1026319 w 1049113"/>
+              <a:gd name="connsiteY2" fmla="*/ 226219 h 360326"/>
+              <a:gd name="connsiteX3" fmla="*/ 0 w 1049113"/>
+              <a:gd name="connsiteY3" fmla="*/ 0 h 360326"/>
+              <a:gd name="connsiteX0" fmla="*/ 0 w 1044629"/>
+              <a:gd name="connsiteY0" fmla="*/ 0 h 359939"/>
+              <a:gd name="connsiteX1" fmla="*/ 661988 w 1044629"/>
+              <a:gd name="connsiteY1" fmla="*/ 352425 h 359939"/>
+              <a:gd name="connsiteX2" fmla="*/ 1021557 w 1044629"/>
+              <a:gd name="connsiteY2" fmla="*/ 219075 h 359939"/>
+              <a:gd name="connsiteX3" fmla="*/ 0 w 1044629"/>
+              <a:gd name="connsiteY3" fmla="*/ 0 h 359939"/>
+              <a:gd name="connsiteX0" fmla="*/ 0 w 1044629"/>
+              <a:gd name="connsiteY0" fmla="*/ 0 h 359939"/>
+              <a:gd name="connsiteX1" fmla="*/ 661988 w 1044629"/>
+              <a:gd name="connsiteY1" fmla="*/ 352425 h 359939"/>
+              <a:gd name="connsiteX2" fmla="*/ 1021557 w 1044629"/>
+              <a:gd name="connsiteY2" fmla="*/ 219075 h 359939"/>
+              <a:gd name="connsiteX3" fmla="*/ 0 w 1044629"/>
+              <a:gd name="connsiteY3" fmla="*/ 0 h 359939"/>
+              <a:gd name="connsiteX0" fmla="*/ 0 w 1044629"/>
+              <a:gd name="connsiteY0" fmla="*/ 0 h 359939"/>
+              <a:gd name="connsiteX1" fmla="*/ 661988 w 1044629"/>
+              <a:gd name="connsiteY1" fmla="*/ 352425 h 359939"/>
+              <a:gd name="connsiteX2" fmla="*/ 1021557 w 1044629"/>
+              <a:gd name="connsiteY2" fmla="*/ 219075 h 359939"/>
+              <a:gd name="connsiteX3" fmla="*/ 0 w 1044629"/>
+              <a:gd name="connsiteY3" fmla="*/ 0 h 359939"/>
+              <a:gd name="connsiteX0" fmla="*/ 0 w 1044629"/>
+              <a:gd name="connsiteY0" fmla="*/ 0 h 359939"/>
+              <a:gd name="connsiteX1" fmla="*/ 661988 w 1044629"/>
+              <a:gd name="connsiteY1" fmla="*/ 352425 h 359939"/>
+              <a:gd name="connsiteX2" fmla="*/ 1021557 w 1044629"/>
+              <a:gd name="connsiteY2" fmla="*/ 219075 h 359939"/>
+              <a:gd name="connsiteX3" fmla="*/ 0 w 1044629"/>
+              <a:gd name="connsiteY3" fmla="*/ 0 h 359939"/>
+              <a:gd name="connsiteX0" fmla="*/ 0 w 1043981"/>
+              <a:gd name="connsiteY0" fmla="*/ 0 h 369673"/>
+              <a:gd name="connsiteX1" fmla="*/ 661988 w 1043981"/>
+              <a:gd name="connsiteY1" fmla="*/ 352425 h 369673"/>
+              <a:gd name="connsiteX2" fmla="*/ 1021557 w 1043981"/>
+              <a:gd name="connsiteY2" fmla="*/ 219075 h 369673"/>
+              <a:gd name="connsiteX3" fmla="*/ 0 w 1043981"/>
+              <a:gd name="connsiteY3" fmla="*/ 0 h 369673"/>
+              <a:gd name="connsiteX0" fmla="*/ 0 w 1082045"/>
+              <a:gd name="connsiteY0" fmla="*/ 0 h 373348"/>
+              <a:gd name="connsiteX1" fmla="*/ 661988 w 1082045"/>
+              <a:gd name="connsiteY1" fmla="*/ 352425 h 373348"/>
+              <a:gd name="connsiteX2" fmla="*/ 1021557 w 1082045"/>
+              <a:gd name="connsiteY2" fmla="*/ 219075 h 373348"/>
+              <a:gd name="connsiteX3" fmla="*/ 0 w 1082045"/>
+              <a:gd name="connsiteY3" fmla="*/ 0 h 373348"/>
+              <a:gd name="connsiteX0" fmla="*/ 0 w 1024499"/>
+              <a:gd name="connsiteY0" fmla="*/ 0 h 374474"/>
+              <a:gd name="connsiteX1" fmla="*/ 661988 w 1024499"/>
+              <a:gd name="connsiteY1" fmla="*/ 352425 h 374474"/>
+              <a:gd name="connsiteX2" fmla="*/ 1021557 w 1024499"/>
+              <a:gd name="connsiteY2" fmla="*/ 219075 h 374474"/>
+              <a:gd name="connsiteX3" fmla="*/ 0 w 1024499"/>
+              <a:gd name="connsiteY3" fmla="*/ 0 h 374474"/>
+              <a:gd name="connsiteX0" fmla="*/ 0 w 1023977"/>
+              <a:gd name="connsiteY0" fmla="*/ 0 h 363142"/>
+              <a:gd name="connsiteX1" fmla="*/ 661988 w 1023977"/>
+              <a:gd name="connsiteY1" fmla="*/ 352425 h 363142"/>
+              <a:gd name="connsiteX2" fmla="*/ 1021557 w 1023977"/>
+              <a:gd name="connsiteY2" fmla="*/ 219075 h 363142"/>
+              <a:gd name="connsiteX3" fmla="*/ 0 w 1023977"/>
+              <a:gd name="connsiteY3" fmla="*/ 0 h 363142"/>
+              <a:gd name="connsiteX0" fmla="*/ 0 w 1024280"/>
+              <a:gd name="connsiteY0" fmla="*/ 0 h 352425"/>
+              <a:gd name="connsiteX1" fmla="*/ 661988 w 1024280"/>
+              <a:gd name="connsiteY1" fmla="*/ 352425 h 352425"/>
+              <a:gd name="connsiteX2" fmla="*/ 1021557 w 1024280"/>
+              <a:gd name="connsiteY2" fmla="*/ 219075 h 352425"/>
+              <a:gd name="connsiteX3" fmla="*/ 0 w 1024280"/>
+              <a:gd name="connsiteY3" fmla="*/ 0 h 352425"/>
+              <a:gd name="connsiteX0" fmla="*/ 0 w 1021557"/>
+              <a:gd name="connsiteY0" fmla="*/ 0 h 352425"/>
+              <a:gd name="connsiteX1" fmla="*/ 661988 w 1021557"/>
+              <a:gd name="connsiteY1" fmla="*/ 352425 h 352425"/>
+              <a:gd name="connsiteX2" fmla="*/ 1021557 w 1021557"/>
+              <a:gd name="connsiteY2" fmla="*/ 219075 h 352425"/>
+              <a:gd name="connsiteX3" fmla="*/ 0 w 1021557"/>
+              <a:gd name="connsiteY3" fmla="*/ 0 h 352425"/>
+              <a:gd name="connsiteX0" fmla="*/ 0 w 1031082"/>
+              <a:gd name="connsiteY0" fmla="*/ 0 h 352425"/>
+              <a:gd name="connsiteX1" fmla="*/ 661988 w 1031082"/>
+              <a:gd name="connsiteY1" fmla="*/ 352425 h 352425"/>
+              <a:gd name="connsiteX2" fmla="*/ 1031082 w 1031082"/>
+              <a:gd name="connsiteY2" fmla="*/ 221457 h 352425"/>
+              <a:gd name="connsiteX3" fmla="*/ 0 w 1031082"/>
+              <a:gd name="connsiteY3" fmla="*/ 0 h 352425"/>
+              <a:gd name="connsiteX0" fmla="*/ 0 w 1031082"/>
+              <a:gd name="connsiteY0" fmla="*/ 0 h 352425"/>
+              <a:gd name="connsiteX1" fmla="*/ 661988 w 1031082"/>
+              <a:gd name="connsiteY1" fmla="*/ 352425 h 352425"/>
+              <a:gd name="connsiteX2" fmla="*/ 1031082 w 1031082"/>
+              <a:gd name="connsiteY2" fmla="*/ 221457 h 352425"/>
+              <a:gd name="connsiteX3" fmla="*/ 0 w 1031082"/>
+              <a:gd name="connsiteY3" fmla="*/ 0 h 352425"/>
+              <a:gd name="connsiteX0" fmla="*/ 0 w 1031082"/>
+              <a:gd name="connsiteY0" fmla="*/ 0 h 352425"/>
+              <a:gd name="connsiteX1" fmla="*/ 661988 w 1031082"/>
+              <a:gd name="connsiteY1" fmla="*/ 352425 h 352425"/>
+              <a:gd name="connsiteX2" fmla="*/ 1031082 w 1031082"/>
+              <a:gd name="connsiteY2" fmla="*/ 221457 h 352425"/>
+              <a:gd name="connsiteX3" fmla="*/ 0 w 1031082"/>
+              <a:gd name="connsiteY3" fmla="*/ 0 h 352425"/>
+              <a:gd name="connsiteX0" fmla="*/ 0 w 1031082"/>
+              <a:gd name="connsiteY0" fmla="*/ 0 h 352425"/>
+              <a:gd name="connsiteX1" fmla="*/ 661988 w 1031082"/>
+              <a:gd name="connsiteY1" fmla="*/ 352425 h 352425"/>
+              <a:gd name="connsiteX2" fmla="*/ 1031082 w 1031082"/>
+              <a:gd name="connsiteY2" fmla="*/ 221457 h 352425"/>
+              <a:gd name="connsiteX3" fmla="*/ 0 w 1031082"/>
+              <a:gd name="connsiteY3" fmla="*/ 0 h 352425"/>
+              <a:gd name="connsiteX0" fmla="*/ 0 w 1031082"/>
+              <a:gd name="connsiteY0" fmla="*/ 0 h 352425"/>
+              <a:gd name="connsiteX1" fmla="*/ 661988 w 1031082"/>
+              <a:gd name="connsiteY1" fmla="*/ 352425 h 352425"/>
+              <a:gd name="connsiteX2" fmla="*/ 1031082 w 1031082"/>
+              <a:gd name="connsiteY2" fmla="*/ 221457 h 352425"/>
+              <a:gd name="connsiteX3" fmla="*/ 0 w 1031082"/>
+              <a:gd name="connsiteY3" fmla="*/ 0 h 352425"/>
+              <a:gd name="connsiteX0" fmla="*/ 0 w 1031082"/>
+              <a:gd name="connsiteY0" fmla="*/ 0 h 385763"/>
+              <a:gd name="connsiteX1" fmla="*/ 707232 w 1031082"/>
+              <a:gd name="connsiteY1" fmla="*/ 385763 h 385763"/>
+              <a:gd name="connsiteX2" fmla="*/ 1031082 w 1031082"/>
+              <a:gd name="connsiteY2" fmla="*/ 221457 h 385763"/>
+              <a:gd name="connsiteX3" fmla="*/ 0 w 1031082"/>
+              <a:gd name="connsiteY3" fmla="*/ 0 h 385763"/>
+            </a:gdLst>
+            <a:ahLst/>
+            <a:cxnLst>
+              <a:cxn ang="0">
+                <a:pos x="connsiteX0" y="connsiteY0"/>
+              </a:cxn>
+              <a:cxn ang="0">
+                <a:pos x="connsiteX1" y="connsiteY1"/>
+              </a:cxn>
+              <a:cxn ang="0">
+                <a:pos x="connsiteX2" y="connsiteY2"/>
+              </a:cxn>
+              <a:cxn ang="0">
+                <a:pos x="connsiteX3" y="connsiteY3"/>
+              </a:cxn>
+            </a:cxnLst>
+            <a:rect l="l" t="t" r="r" b="b"/>
+            <a:pathLst>
+              <a:path w="1031082" h="385763">
+                <a:moveTo>
+                  <a:pt x="0" y="0"/>
+                </a:moveTo>
+                <a:lnTo>
+                  <a:pt x="707232" y="385763"/>
+                </a:lnTo>
+                <a:lnTo>
+                  <a:pt x="1031082" y="221457"/>
+                </a:lnTo>
+                <a:cubicBezTo>
+                  <a:pt x="768351" y="163910"/>
+                  <a:pt x="767953" y="157560"/>
+                  <a:pt x="0" y="0"/>
+                </a:cubicBezTo>
+                <a:close/>
+              </a:path>
+            </a:pathLst>
+          </a:custGeom>
+          <a:ln>
+            <a:round/>
+          </a:ln>
+        </p:spPr>
+        <p:style>
+          <a:lnRef idx="2">
+            <a:schemeClr val="accent1">
+              <a:shade val="50000"/>
+            </a:schemeClr>
+          </a:lnRef>
+          <a:fillRef idx="1">
+            <a:schemeClr val="accent1"/>
+          </a:fillRef>
+          <a:effectRef idx="0">
+            <a:schemeClr val="accent1"/>
+          </a:effectRef>
+          <a:fontRef idx="minor">
+            <a:schemeClr val="lt1"/>
+          </a:fontRef>
+        </p:style>
+        <p:txBody>
+          <a:bodyPr rtlCol="0" anchor="ctr"/>
+          <a:lstStyle/>
+          <a:p>
+            <a:pPr algn="ctr"/>
+            <a:endParaRPr lang="en-US"/>
+          </a:p>
+        </p:txBody>
+      </p:sp>
+      <p:sp>
+        <p:nvSpPr>
+          <p:cNvPr id="93" name="TextBox 92"/>
+          <p:cNvSpPr txBox="1"/>
+          <p:nvPr/>
+        </p:nvSpPr>
+        <p:spPr>
+          <a:xfrm>
+            <a:off x="5324245" y="4857182"/>
+            <a:ext cx="284052" cy="369332"/>
+          </a:xfrm>
+          <a:prstGeom prst="rect">
+            <a:avLst/>
+          </a:prstGeom>
+          <a:noFill/>
+        </p:spPr>
+        <p:txBody>
+          <a:bodyPr wrap="none" rtlCol="0">
+            <a:spAutoFit/>
+          </a:bodyPr>
+          <a:lstStyle/>
+          <a:p>
+            <a:r>
+              <a:rPr lang="en-US" dirty="0" smtClean="0"/>
+              <a:t>z</a:t>
+            </a:r>
+            <a:endParaRPr lang="en-US" dirty="0"/>
+          </a:p>
+        </p:txBody>
+      </p:sp>
+      <p:sp>
+        <p:nvSpPr>
+          <p:cNvPr id="94" name="TextBox 93"/>
+          <p:cNvSpPr txBox="1"/>
+          <p:nvPr/>
+        </p:nvSpPr>
+        <p:spPr>
+          <a:xfrm>
+            <a:off x="1111855" y="4917077"/>
+            <a:ext cx="288862" cy="369332"/>
+          </a:xfrm>
+          <a:prstGeom prst="rect">
+            <a:avLst/>
+          </a:prstGeom>
+          <a:noFill/>
+        </p:spPr>
+        <p:txBody>
+          <a:bodyPr wrap="none" rtlCol="0">
+            <a:spAutoFit/>
+          </a:bodyPr>
+          <a:lstStyle/>
+          <a:p>
+            <a:r>
+              <a:rPr lang="en-US" dirty="0" smtClean="0"/>
+              <a:t>x</a:t>
+            </a:r>
+            <a:endParaRPr lang="en-US" dirty="0"/>
+          </a:p>
+        </p:txBody>
+      </p:sp>
+      <p:sp>
+        <p:nvSpPr>
+          <p:cNvPr id="95" name="TextBox 94"/>
+          <p:cNvSpPr txBox="1"/>
+          <p:nvPr/>
+        </p:nvSpPr>
+        <p:spPr>
+          <a:xfrm>
+            <a:off x="2171888" y="2772656"/>
+            <a:ext cx="288862" cy="369332"/>
+          </a:xfrm>
+          <a:prstGeom prst="rect">
+            <a:avLst/>
+          </a:prstGeom>
+          <a:noFill/>
+        </p:spPr>
+        <p:txBody>
+          <a:bodyPr wrap="none" rtlCol="0">
+            <a:spAutoFit/>
+          </a:bodyPr>
+          <a:lstStyle/>
+          <a:p>
+            <a:r>
+              <a:rPr lang="en-US" dirty="0" smtClean="0"/>
+              <a:t>y</a:t>
+            </a:r>
+            <a:endParaRPr lang="en-US" dirty="0"/>
+          </a:p>
+        </p:txBody>
+      </p:sp>
+      <p:cxnSp>
+        <p:nvCxnSpPr>
+          <p:cNvPr id="96" name="Straight Arrow Connector 95"/>
+          <p:cNvCxnSpPr/>
+          <p:nvPr/>
+        </p:nvCxnSpPr>
+        <p:spPr>
+          <a:xfrm flipH="1">
+            <a:off x="4526659" y="3765295"/>
+            <a:ext cx="801137" cy="600853"/>
+          </a:xfrm>
+          <a:prstGeom prst="straightConnector1">
+            <a:avLst/>
+          </a:prstGeom>
+          <a:ln w="6350">
+            <a:solidFill>
+              <a:schemeClr val="tx1"/>
+            </a:solidFill>
+            <a:prstDash val="dash"/>
+            <a:tailEnd type="none" w="lg" len="lg"/>
+          </a:ln>
+        </p:spPr>
+        <p:style>
+          <a:lnRef idx="1">
+            <a:schemeClr val="accent1"/>
+          </a:lnRef>
+          <a:fillRef idx="0">
+            <a:schemeClr val="accent1"/>
+          </a:fillRef>
+          <a:effectRef idx="0">
+            <a:schemeClr val="accent1"/>
+          </a:effectRef>
+          <a:fontRef idx="minor">
+            <a:schemeClr val="tx1"/>
+          </a:fontRef>
+        </p:style>
+      </p:cxnSp>
+      <p:cxnSp>
+        <p:nvCxnSpPr>
+          <p:cNvPr id="97" name="Straight Arrow Connector 96"/>
+          <p:cNvCxnSpPr/>
+          <p:nvPr/>
+        </p:nvCxnSpPr>
+        <p:spPr>
+          <a:xfrm flipH="1">
+            <a:off x="1370751" y="3071072"/>
+            <a:ext cx="801137" cy="600853"/>
+          </a:xfrm>
+          <a:prstGeom prst="straightConnector1">
+            <a:avLst/>
+          </a:prstGeom>
+          <a:ln w="6350">
+            <a:solidFill>
+              <a:schemeClr val="tx1"/>
+            </a:solidFill>
+            <a:prstDash val="dash"/>
+            <a:tailEnd type="none" w="lg" len="lg"/>
+          </a:ln>
+        </p:spPr>
+        <p:style>
+          <a:lnRef idx="1">
+            <a:schemeClr val="accent1"/>
+          </a:lnRef>
+          <a:fillRef idx="0">
+            <a:schemeClr val="accent1"/>
+          </a:fillRef>
+          <a:effectRef idx="0">
+            <a:schemeClr val="accent1"/>
+          </a:effectRef>
+          <a:fontRef idx="minor">
+            <a:schemeClr val="tx1"/>
+          </a:fontRef>
+        </p:style>
+      </p:cxnSp>
+      <p:cxnSp>
+        <p:nvCxnSpPr>
+          <p:cNvPr id="98" name="Straight Arrow Connector 97"/>
+          <p:cNvCxnSpPr/>
+          <p:nvPr/>
+        </p:nvCxnSpPr>
+        <p:spPr>
+          <a:xfrm>
+            <a:off x="2171889" y="3072534"/>
+            <a:ext cx="3155907" cy="683538"/>
+          </a:xfrm>
+          <a:prstGeom prst="straightConnector1">
+            <a:avLst/>
+          </a:prstGeom>
+          <a:ln w="6350">
+            <a:solidFill>
+              <a:schemeClr val="tx1"/>
+            </a:solidFill>
+            <a:prstDash val="dash"/>
+            <a:tailEnd type="none" w="lg" len="lg"/>
+          </a:ln>
+        </p:spPr>
+        <p:style>
+          <a:lnRef idx="1">
+            <a:schemeClr val="accent1"/>
+          </a:lnRef>
+          <a:fillRef idx="0">
+            <a:schemeClr val="accent1"/>
+          </a:fillRef>
+          <a:effectRef idx="0">
+            <a:schemeClr val="accent1"/>
+          </a:effectRef>
+          <a:fontRef idx="minor">
+            <a:schemeClr val="tx1"/>
+          </a:fontRef>
+        </p:style>
+      </p:cxnSp>
+      <p:cxnSp>
+        <p:nvCxnSpPr>
+          <p:cNvPr id="100" name="Straight Arrow Connector 99"/>
+          <p:cNvCxnSpPr/>
+          <p:nvPr/>
+        </p:nvCxnSpPr>
+        <p:spPr>
+          <a:xfrm flipV="1">
+            <a:off x="5327796" y="3765296"/>
+            <a:ext cx="0" cy="1495229"/>
+          </a:xfrm>
+          <a:prstGeom prst="straightConnector1">
+            <a:avLst/>
+          </a:prstGeom>
+          <a:ln w="6350">
+            <a:solidFill>
+              <a:schemeClr val="tx1"/>
+            </a:solidFill>
+            <a:prstDash val="dash"/>
+            <a:tailEnd type="none" w="lg" len="lg"/>
+          </a:ln>
+        </p:spPr>
+        <p:style>
+          <a:lnRef idx="1">
+            <a:schemeClr val="accent1"/>
+          </a:lnRef>
+          <a:fillRef idx="0">
+            <a:schemeClr val="accent1"/>
+          </a:fillRef>
+          <a:effectRef idx="0">
+            <a:schemeClr val="accent1"/>
+          </a:effectRef>
+          <a:fontRef idx="minor">
+            <a:schemeClr val="tx1"/>
+          </a:fontRef>
+        </p:style>
+      </p:cxnSp>
+      <p:cxnSp>
+        <p:nvCxnSpPr>
+          <p:cNvPr id="101" name="Straight Arrow Connector 100"/>
+          <p:cNvCxnSpPr/>
+          <p:nvPr/>
+        </p:nvCxnSpPr>
+        <p:spPr>
+          <a:xfrm flipV="1">
+            <a:off x="1370751" y="3682610"/>
+            <a:ext cx="0" cy="1495229"/>
+          </a:xfrm>
+          <a:prstGeom prst="straightConnector1">
+            <a:avLst/>
+          </a:prstGeom>
+          <a:ln w="6350">
+            <a:solidFill>
+              <a:schemeClr val="tx1"/>
+            </a:solidFill>
+            <a:prstDash val="dash"/>
+            <a:tailEnd type="none" w="lg" len="lg"/>
+          </a:ln>
+        </p:spPr>
+        <p:style>
+          <a:lnRef idx="1">
+            <a:schemeClr val="accent1"/>
+          </a:lnRef>
+          <a:fillRef idx="0">
+            <a:schemeClr val="accent1"/>
+          </a:fillRef>
+          <a:effectRef idx="0">
+            <a:schemeClr val="accent1"/>
+          </a:effectRef>
+          <a:fontRef idx="minor">
+            <a:schemeClr val="tx1"/>
+          </a:fontRef>
+        </p:style>
+      </p:cxnSp>
+      <p:cxnSp>
+        <p:nvCxnSpPr>
+          <p:cNvPr id="102" name="Straight Arrow Connector 101"/>
+          <p:cNvCxnSpPr/>
+          <p:nvPr/>
+        </p:nvCxnSpPr>
+        <p:spPr>
+          <a:xfrm>
+            <a:off x="1370750" y="5203724"/>
+            <a:ext cx="3155907" cy="683538"/>
+          </a:xfrm>
+          <a:prstGeom prst="straightConnector1">
+            <a:avLst/>
+          </a:prstGeom>
+          <a:ln w="6350">
+            <a:solidFill>
+              <a:schemeClr val="tx1"/>
+            </a:solidFill>
+            <a:prstDash val="dash"/>
+            <a:tailEnd type="none" w="lg" len="lg"/>
+          </a:ln>
+        </p:spPr>
+        <p:style>
+          <a:lnRef idx="1">
+            <a:schemeClr val="accent1"/>
+          </a:lnRef>
+          <a:fillRef idx="0">
+            <a:schemeClr val="accent1"/>
+          </a:fillRef>
+          <a:effectRef idx="0">
+            <a:schemeClr val="accent1"/>
+          </a:effectRef>
+          <a:fontRef idx="minor">
+            <a:schemeClr val="tx1"/>
+          </a:fontRef>
+        </p:style>
+      </p:cxnSp>
+      <p:cxnSp>
+        <p:nvCxnSpPr>
+          <p:cNvPr id="103" name="Straight Arrow Connector 102"/>
+          <p:cNvCxnSpPr/>
+          <p:nvPr/>
+        </p:nvCxnSpPr>
+        <p:spPr>
+          <a:xfrm flipH="1">
+            <a:off x="4540561" y="5286409"/>
+            <a:ext cx="801137" cy="600853"/>
+          </a:xfrm>
+          <a:prstGeom prst="straightConnector1">
+            <a:avLst/>
+          </a:prstGeom>
+          <a:ln w="6350">
+            <a:solidFill>
+              <a:schemeClr val="tx1"/>
+            </a:solidFill>
+            <a:prstDash val="dash"/>
+            <a:tailEnd type="none" w="lg" len="lg"/>
+          </a:ln>
+        </p:spPr>
+        <p:style>
+          <a:lnRef idx="1">
+            <a:schemeClr val="accent1"/>
+          </a:lnRef>
+          <a:fillRef idx="0">
+            <a:schemeClr val="accent1"/>
+          </a:fillRef>
+          <a:effectRef idx="0">
+            <a:schemeClr val="accent1"/>
+          </a:effectRef>
+          <a:fontRef idx="minor">
+            <a:schemeClr val="tx1"/>
+          </a:fontRef>
+        </p:style>
+      </p:cxnSp>
+      <p:cxnSp>
+        <p:nvCxnSpPr>
+          <p:cNvPr id="104" name="Straight Arrow Connector 103"/>
+          <p:cNvCxnSpPr/>
+          <p:nvPr/>
+        </p:nvCxnSpPr>
+        <p:spPr>
+          <a:xfrm flipV="1">
+            <a:off x="4526657" y="4392033"/>
+            <a:ext cx="0" cy="1495229"/>
+          </a:xfrm>
+          <a:prstGeom prst="straightConnector1">
+            <a:avLst/>
+          </a:prstGeom>
+          <a:ln w="6350">
+            <a:solidFill>
+              <a:schemeClr val="tx1"/>
+            </a:solidFill>
+            <a:prstDash val="dash"/>
+            <a:tailEnd type="none" w="lg" len="lg"/>
+          </a:ln>
+        </p:spPr>
+        <p:style>
+          <a:lnRef idx="1">
+            <a:schemeClr val="accent1"/>
+          </a:lnRef>
+          <a:fillRef idx="0">
+            <a:schemeClr val="accent1"/>
+          </a:fillRef>
+          <a:effectRef idx="0">
+            <a:schemeClr val="accent1"/>
+          </a:effectRef>
+          <a:fontRef idx="minor">
+            <a:schemeClr val="tx1"/>
+          </a:fontRef>
+        </p:style>
+      </p:cxnSp>
+      <p:cxnSp>
+        <p:nvCxnSpPr>
+          <p:cNvPr id="105" name="Straight Arrow Connector 104"/>
+          <p:cNvCxnSpPr/>
+          <p:nvPr/>
+        </p:nvCxnSpPr>
+        <p:spPr>
+          <a:xfrm>
+            <a:off x="2198304" y="4593648"/>
+            <a:ext cx="2342257" cy="1276953"/>
+          </a:xfrm>
+          <a:prstGeom prst="straightConnector1">
+            <a:avLst/>
+          </a:prstGeom>
+          <a:ln w="6350">
+            <a:solidFill>
+              <a:schemeClr val="tx1"/>
+            </a:solidFill>
+            <a:prstDash val="dash"/>
+            <a:tailEnd type="none" w="lg" len="lg"/>
+          </a:ln>
+        </p:spPr>
+        <p:style>
+          <a:lnRef idx="1">
+            <a:schemeClr val="accent1"/>
+          </a:lnRef>
+          <a:fillRef idx="0">
+            <a:schemeClr val="accent1"/>
+          </a:fillRef>
+          <a:effectRef idx="0">
+            <a:schemeClr val="accent1"/>
+          </a:effectRef>
+          <a:fontRef idx="minor">
+            <a:schemeClr val="tx1"/>
+          </a:fontRef>
+        </p:style>
+      </p:cxnSp>
+      <mc:AlternateContent xmlns:mc="http://schemas.openxmlformats.org/markup-compatibility/2006">
+        <mc:Choice xmlns:a14="http://schemas.microsoft.com/office/drawing/2010/main" Requires="a14">
+          <p:sp>
+            <p:nvSpPr>
+              <p:cNvPr id="106" name="TextBox 105"/>
+              <p:cNvSpPr txBox="1"/>
+              <p:nvPr/>
+            </p:nvSpPr>
+            <p:spPr>
+              <a:xfrm>
+                <a:off x="2991323" y="4783638"/>
+                <a:ext cx="403124" cy="307777"/>
+              </a:xfrm>
+              <a:prstGeom prst="rect">
+                <a:avLst/>
+              </a:prstGeom>
+              <a:noFill/>
+            </p:spPr>
+            <p:txBody>
+              <a:bodyPr wrap="none" rtlCol="0">
+                <a:spAutoFit/>
+              </a:bodyPr>
+              <a:lstStyle/>
+              <a:p>
+                <a:pPr/>
+                <a14:m>
+                  <m:oMathPara xmlns:m="http://schemas.openxmlformats.org/officeDocument/2006/math">
+                    <m:oMathParaPr>
+                      <m:jc m:val="centerGroup"/>
+                    </m:oMathParaPr>
+                    <m:oMath xmlns:m="http://schemas.openxmlformats.org/officeDocument/2006/math">
+                      <m:sSub>
+                        <m:sSubPr>
+                          <m:ctrlPr>
+                            <a:rPr lang="en-US" sz="1400" b="0" i="1" smtClean="0">
+                              <a:solidFill>
+                                <a:srgbClr val="0070C0"/>
+                              </a:solidFill>
+                              <a:latin typeface="Cambria Math" panose="02040503050406030204" pitchFamily="18" charset="0"/>
+                            </a:rPr>
+                          </m:ctrlPr>
+                        </m:sSubPr>
+                        <m:e>
+                          <m:r>
+                            <a:rPr lang="en-US" sz="1400" b="0" i="1" smtClean="0">
+                              <a:solidFill>
+                                <a:srgbClr val="0070C0"/>
+                              </a:solidFill>
+                              <a:latin typeface="Cambria Math" panose="02040503050406030204" pitchFamily="18" charset="0"/>
+                            </a:rPr>
+                            <m:t>𝜃</m:t>
+                          </m:r>
+                        </m:e>
+                        <m:sub>
+                          <m:r>
+                            <a:rPr lang="en-US" sz="1400" b="0" i="1" smtClean="0">
+                              <a:solidFill>
+                                <a:srgbClr val="0070C0"/>
+                              </a:solidFill>
+                              <a:latin typeface="Cambria Math" panose="02040503050406030204" pitchFamily="18" charset="0"/>
+                            </a:rPr>
+                            <m:t>𝑥</m:t>
+                          </m:r>
+                        </m:sub>
+                      </m:sSub>
+                    </m:oMath>
+                  </m:oMathPara>
+                </a14:m>
+                <a:endParaRPr lang="en-US" sz="1400" dirty="0">
+                  <a:solidFill>
+                    <a:srgbClr val="0070C0"/>
+                  </a:solidFill>
+                </a:endParaRPr>
+              </a:p>
+            </p:txBody>
+          </p:sp>
+        </mc:Choice>
+        <mc:Fallback>
+          <p:sp>
+            <p:nvSpPr>
+              <p:cNvPr id="106" name="TextBox 105"/>
+              <p:cNvSpPr txBox="1">
+                <a:spLocks noRot="1" noChangeAspect="1" noMove="1" noResize="1" noEditPoints="1" noAdjustHandles="1" noChangeArrowheads="1" noChangeShapeType="1" noTextEdit="1"/>
+              </p:cNvSpPr>
+              <p:nvPr/>
+            </p:nvSpPr>
+            <p:spPr>
+              <a:xfrm>
+                <a:off x="2991323" y="4783638"/>
+                <a:ext cx="403124" cy="307777"/>
+              </a:xfrm>
+              <a:prstGeom prst="rect">
+                <a:avLst/>
+              </a:prstGeom>
+              <a:blipFill rotWithShape="0">
+                <a:blip r:embed="rId11"/>
+                <a:stretch>
+                  <a:fillRect/>
+                </a:stretch>
+              </a:blipFill>
+            </p:spPr>
+            <p:txBody>
+              <a:bodyPr/>
+              <a:lstStyle/>
+              <a:p>
+                <a:r>
+                  <a:rPr lang="en-US">
+                    <a:noFill/>
+                  </a:rPr>
+                  <a:t> </a:t>
+                </a:r>
+              </a:p>
+            </p:txBody>
+          </p:sp>
+        </mc:Fallback>
+      </mc:AlternateContent>
+      <mc:AlternateContent xmlns:mc="http://schemas.openxmlformats.org/markup-compatibility/2006">
+        <mc:Choice xmlns:a14="http://schemas.microsoft.com/office/drawing/2010/main" Requires="a14">
+          <p:sp>
+            <p:nvSpPr>
+              <p:cNvPr id="109" name="TextBox 108"/>
+              <p:cNvSpPr txBox="1"/>
+              <p:nvPr/>
+            </p:nvSpPr>
+            <p:spPr>
+              <a:xfrm>
+                <a:off x="2309648" y="4838612"/>
+                <a:ext cx="409215" cy="324769"/>
+              </a:xfrm>
+              <a:prstGeom prst="rect">
+                <a:avLst/>
+              </a:prstGeom>
+              <a:noFill/>
+            </p:spPr>
+            <p:txBody>
+              <a:bodyPr wrap="none" rtlCol="0">
+                <a:spAutoFit/>
+              </a:bodyPr>
+              <a:lstStyle/>
+              <a:p>
+                <a:pPr/>
+                <a14:m>
+                  <m:oMathPara xmlns:m="http://schemas.openxmlformats.org/officeDocument/2006/math">
+                    <m:oMathParaPr>
+                      <m:jc m:val="centerGroup"/>
+                    </m:oMathParaPr>
+                    <m:oMath xmlns:m="http://schemas.openxmlformats.org/officeDocument/2006/math">
+                      <m:sSub>
+                        <m:sSubPr>
+                          <m:ctrlPr>
+                            <a:rPr lang="en-US" sz="1400" b="0" i="1" smtClean="0">
+                              <a:solidFill>
+                                <a:schemeClr val="accent4">
+                                  <a:lumMod val="75000"/>
+                                </a:schemeClr>
+                              </a:solidFill>
+                              <a:latin typeface="Cambria Math" panose="02040503050406030204" pitchFamily="18" charset="0"/>
+                            </a:rPr>
+                          </m:ctrlPr>
+                        </m:sSubPr>
+                        <m:e>
+                          <m:r>
+                            <a:rPr lang="en-US" sz="1400" b="0" i="1" smtClean="0">
+                              <a:solidFill>
+                                <a:schemeClr val="accent4">
+                                  <a:lumMod val="75000"/>
+                                </a:schemeClr>
+                              </a:solidFill>
+                              <a:latin typeface="Cambria Math" panose="02040503050406030204" pitchFamily="18" charset="0"/>
+                            </a:rPr>
+                            <m:t>𝜃</m:t>
+                          </m:r>
+                        </m:e>
+                        <m:sub>
+                          <m:r>
+                            <a:rPr lang="en-US" sz="1400" b="0" i="1" smtClean="0">
+                              <a:solidFill>
+                                <a:schemeClr val="accent4">
+                                  <a:lumMod val="75000"/>
+                                </a:schemeClr>
+                              </a:solidFill>
+                              <a:latin typeface="Cambria Math" panose="02040503050406030204" pitchFamily="18" charset="0"/>
+                            </a:rPr>
+                            <m:t>𝑦</m:t>
+                          </m:r>
+                        </m:sub>
+                      </m:sSub>
+                    </m:oMath>
+                  </m:oMathPara>
+                </a14:m>
+                <a:endParaRPr lang="en-US" sz="1400" dirty="0">
+                  <a:solidFill>
+                    <a:schemeClr val="accent4">
+                      <a:lumMod val="75000"/>
+                    </a:schemeClr>
+                  </a:solidFill>
+                </a:endParaRPr>
+              </a:p>
+            </p:txBody>
+          </p:sp>
+        </mc:Choice>
+        <mc:Fallback>
+          <p:sp>
+            <p:nvSpPr>
+              <p:cNvPr id="109" name="TextBox 108"/>
+              <p:cNvSpPr txBox="1">
+                <a:spLocks noRot="1" noChangeAspect="1" noMove="1" noResize="1" noEditPoints="1" noAdjustHandles="1" noChangeArrowheads="1" noChangeShapeType="1" noTextEdit="1"/>
+              </p:cNvSpPr>
+              <p:nvPr/>
+            </p:nvSpPr>
+            <p:spPr>
+              <a:xfrm>
+                <a:off x="2309648" y="4838612"/>
+                <a:ext cx="409215" cy="324769"/>
+              </a:xfrm>
+              <a:prstGeom prst="rect">
+                <a:avLst/>
+              </a:prstGeom>
+              <a:blipFill rotWithShape="0">
+                <a:blip r:embed="rId12"/>
+                <a:stretch>
+                  <a:fillRect/>
+                </a:stretch>
+              </a:blipFill>
+            </p:spPr>
+            <p:txBody>
+              <a:bodyPr/>
+              <a:lstStyle/>
+              <a:p>
+                <a:r>
+                  <a:rPr lang="en-US">
+                    <a:noFill/>
+                  </a:rPr>
+                  <a:t> </a:t>
+                </a:r>
+              </a:p>
+            </p:txBody>
+          </p:sp>
+        </mc:Fallback>
+      </mc:AlternateContent>
+      <mc:AlternateContent xmlns:mc="http://schemas.openxmlformats.org/markup-compatibility/2006">
+        <mc:Choice xmlns:a14="http://schemas.microsoft.com/office/drawing/2010/main" Requires="a14">
+          <p:sp>
+            <p:nvSpPr>
+              <p:cNvPr id="110" name="TextBox 109"/>
+              <p:cNvSpPr txBox="1"/>
+              <p:nvPr/>
+            </p:nvSpPr>
+            <p:spPr>
+              <a:xfrm>
+                <a:off x="4472532" y="4228968"/>
+                <a:ext cx="313676" cy="307777"/>
+              </a:xfrm>
+              <a:prstGeom prst="rect">
+                <a:avLst/>
+              </a:prstGeom>
+              <a:noFill/>
+            </p:spPr>
+            <p:txBody>
+              <a:bodyPr wrap="none" rtlCol="0">
+                <a:spAutoFit/>
+              </a:bodyPr>
+              <a:lstStyle/>
+              <a:p>
+                <a:pPr/>
+                <a14:m>
+                  <m:oMathPara xmlns:m="http://schemas.openxmlformats.org/officeDocument/2006/math">
+                    <m:oMathParaPr>
+                      <m:jc m:val="centerGroup"/>
+                    </m:oMathParaPr>
+                    <m:oMath xmlns:m="http://schemas.openxmlformats.org/officeDocument/2006/math">
+                      <m:r>
+                        <a:rPr lang="en-US" sz="1400" b="0" i="1" smtClean="0">
+                          <a:solidFill>
+                            <a:schemeClr val="tx1"/>
+                          </a:solidFill>
+                          <a:latin typeface="Cambria Math" panose="02040503050406030204" pitchFamily="18" charset="0"/>
+                        </a:rPr>
+                        <m:t>𝑟</m:t>
+                      </m:r>
+                    </m:oMath>
+                  </m:oMathPara>
+                </a14:m>
+                <a:endParaRPr lang="en-US" sz="1400" dirty="0">
+                  <a:solidFill>
+                    <a:schemeClr val="tx1"/>
+                  </a:solidFill>
+                </a:endParaRPr>
+              </a:p>
+            </p:txBody>
+          </p:sp>
+        </mc:Choice>
+        <mc:Fallback>
+          <p:sp>
+            <p:nvSpPr>
+              <p:cNvPr id="110" name="TextBox 109"/>
+              <p:cNvSpPr txBox="1">
+                <a:spLocks noRot="1" noChangeAspect="1" noMove="1" noResize="1" noEditPoints="1" noAdjustHandles="1" noChangeArrowheads="1" noChangeShapeType="1" noTextEdit="1"/>
+              </p:cNvSpPr>
+              <p:nvPr/>
+            </p:nvSpPr>
+            <p:spPr>
+              <a:xfrm>
+                <a:off x="4472532" y="4228968"/>
+                <a:ext cx="313676" cy="307777"/>
+              </a:xfrm>
+              <a:prstGeom prst="rect">
+                <a:avLst/>
+              </a:prstGeom>
+              <a:blipFill rotWithShape="0">
+                <a:blip r:embed="rId13"/>
+                <a:stretch>
+                  <a:fillRect/>
+                </a:stretch>
+              </a:blipFill>
+            </p:spPr>
+            <p:txBody>
+              <a:bodyPr/>
+              <a:lstStyle/>
+              <a:p>
+                <a:r>
+                  <a:rPr lang="en-US">
+                    <a:noFill/>
+                  </a:rPr>
+                  <a:t> </a:t>
+                </a:r>
+              </a:p>
+            </p:txBody>
+          </p:sp>
+        </mc:Fallback>
+      </mc:AlternateContent>
+      <mc:AlternateContent xmlns:mc="http://schemas.openxmlformats.org/markup-compatibility/2006">
+        <mc:Choice xmlns:a14="http://schemas.microsoft.com/office/drawing/2010/main" Requires="a14">
+          <p:sp>
+            <p:nvSpPr>
+              <p:cNvPr id="111" name="TextBox 110"/>
+              <p:cNvSpPr txBox="1"/>
+              <p:nvPr/>
+            </p:nvSpPr>
+            <p:spPr>
+              <a:xfrm>
+                <a:off x="4432950" y="5806985"/>
+                <a:ext cx="436081" cy="307777"/>
+              </a:xfrm>
+              <a:prstGeom prst="rect">
+                <a:avLst/>
+              </a:prstGeom>
+              <a:noFill/>
+            </p:spPr>
+            <p:txBody>
+              <a:bodyPr wrap="none" rtlCol="0">
+                <a:spAutoFit/>
+              </a:bodyPr>
+              <a:lstStyle/>
+              <a:p>
+                <a:pPr/>
+                <a14:m>
+                  <m:oMathPara xmlns:m="http://schemas.openxmlformats.org/officeDocument/2006/math">
+                    <m:oMathParaPr>
+                      <m:jc m:val="centerGroup"/>
+                    </m:oMathParaPr>
+                    <m:oMath xmlns:m="http://schemas.openxmlformats.org/officeDocument/2006/math">
+                      <m:sSub>
+                        <m:sSubPr>
+                          <m:ctrlPr>
+                            <a:rPr lang="en-US" sz="1400" b="0" i="1" smtClean="0">
+                              <a:solidFill>
+                                <a:schemeClr val="tx1"/>
+                              </a:solidFill>
+                              <a:latin typeface="Cambria Math" panose="02040503050406030204" pitchFamily="18" charset="0"/>
+                            </a:rPr>
+                          </m:ctrlPr>
+                        </m:sSubPr>
+                        <m:e>
+                          <m:r>
+                            <a:rPr lang="en-US" sz="1400" b="0" i="1" smtClean="0">
+                              <a:solidFill>
+                                <a:schemeClr val="tx1"/>
+                              </a:solidFill>
+                              <a:latin typeface="Cambria Math" panose="02040503050406030204" pitchFamily="18" charset="0"/>
+                            </a:rPr>
+                            <m:t>𝑟</m:t>
+                          </m:r>
+                        </m:e>
+                        <m:sub>
+                          <m:r>
+                            <a:rPr lang="en-US" sz="1400" b="0" i="1" smtClean="0">
+                              <a:solidFill>
+                                <a:schemeClr val="tx1"/>
+                              </a:solidFill>
+                              <a:latin typeface="Cambria Math" panose="02040503050406030204" pitchFamily="18" charset="0"/>
+                            </a:rPr>
+                            <m:t>𝑥𝑧</m:t>
+                          </m:r>
+                        </m:sub>
+                      </m:sSub>
+                    </m:oMath>
+                  </m:oMathPara>
+                </a14:m>
+                <a:endParaRPr lang="en-US" sz="1400" dirty="0">
+                  <a:solidFill>
+                    <a:schemeClr val="tx1"/>
+                  </a:solidFill>
+                </a:endParaRPr>
+              </a:p>
+            </p:txBody>
+          </p:sp>
+        </mc:Choice>
+        <mc:Fallback>
+          <p:sp>
+            <p:nvSpPr>
+              <p:cNvPr id="111" name="TextBox 110"/>
+              <p:cNvSpPr txBox="1">
+                <a:spLocks noRot="1" noChangeAspect="1" noMove="1" noResize="1" noEditPoints="1" noAdjustHandles="1" noChangeArrowheads="1" noChangeShapeType="1" noTextEdit="1"/>
+              </p:cNvSpPr>
+              <p:nvPr/>
+            </p:nvSpPr>
+            <p:spPr>
+              <a:xfrm>
+                <a:off x="4432950" y="5806985"/>
+                <a:ext cx="436081" cy="307777"/>
+              </a:xfrm>
+              <a:prstGeom prst="rect">
+                <a:avLst/>
+              </a:prstGeom>
+              <a:blipFill rotWithShape="0">
+                <a:blip r:embed="rId8"/>
+                <a:stretch>
+                  <a:fillRect/>
+                </a:stretch>
+              </a:blipFill>
+            </p:spPr>
+            <p:txBody>
+              <a:bodyPr/>
+              <a:lstStyle/>
+              <a:p>
+                <a:r>
+                  <a:rPr lang="en-US">
+                    <a:noFill/>
+                  </a:rPr>
+                  <a:t> </a:t>
+                </a:r>
+              </a:p>
+            </p:txBody>
+          </p:sp>
+        </mc:Fallback>
+      </mc:AlternateContent>
+      <mc:AlternateContent xmlns:mc="http://schemas.openxmlformats.org/markup-compatibility/2006">
+        <mc:Choice xmlns:a14="http://schemas.microsoft.com/office/drawing/2010/main" Requires="a14">
+          <p:sp>
+            <p:nvSpPr>
+              <p:cNvPr id="112" name="TextBox 111"/>
+              <p:cNvSpPr txBox="1"/>
+              <p:nvPr/>
+            </p:nvSpPr>
+            <p:spPr>
+              <a:xfrm>
+                <a:off x="5267960" y="3585521"/>
+                <a:ext cx="442492" cy="324769"/>
+              </a:xfrm>
+              <a:prstGeom prst="rect">
+                <a:avLst/>
+              </a:prstGeom>
+              <a:noFill/>
+            </p:spPr>
+            <p:txBody>
+              <a:bodyPr wrap="none" rtlCol="0">
+                <a:spAutoFit/>
+              </a:bodyPr>
+              <a:lstStyle/>
+              <a:p>
+                <a:pPr/>
+                <a14:m>
+                  <m:oMathPara xmlns:m="http://schemas.openxmlformats.org/officeDocument/2006/math">
+                    <m:oMathParaPr>
+                      <m:jc m:val="centerGroup"/>
+                    </m:oMathParaPr>
+                    <m:oMath xmlns:m="http://schemas.openxmlformats.org/officeDocument/2006/math">
+                      <m:sSub>
+                        <m:sSubPr>
+                          <m:ctrlPr>
+                            <a:rPr lang="en-US" sz="1400" b="0" i="1" smtClean="0">
+                              <a:solidFill>
+                                <a:schemeClr val="tx1"/>
+                              </a:solidFill>
+                              <a:latin typeface="Cambria Math" panose="02040503050406030204" pitchFamily="18" charset="0"/>
+                            </a:rPr>
+                          </m:ctrlPr>
+                        </m:sSubPr>
+                        <m:e>
+                          <m:r>
+                            <a:rPr lang="en-US" sz="1400" b="0" i="1" smtClean="0">
+                              <a:solidFill>
+                                <a:schemeClr val="tx1"/>
+                              </a:solidFill>
+                              <a:latin typeface="Cambria Math" panose="02040503050406030204" pitchFamily="18" charset="0"/>
+                            </a:rPr>
+                            <m:t>𝑟</m:t>
+                          </m:r>
+                        </m:e>
+                        <m:sub>
+                          <m:r>
+                            <a:rPr lang="en-US" sz="1400" b="0" i="1" smtClean="0">
+                              <a:solidFill>
+                                <a:schemeClr val="tx1"/>
+                              </a:solidFill>
+                              <a:latin typeface="Cambria Math" panose="02040503050406030204" pitchFamily="18" charset="0"/>
+                            </a:rPr>
+                            <m:t>𝑦𝑧</m:t>
+                          </m:r>
+                        </m:sub>
+                      </m:sSub>
+                    </m:oMath>
+                  </m:oMathPara>
+                </a14:m>
+                <a:endParaRPr lang="en-US" sz="1400" dirty="0">
+                  <a:solidFill>
+                    <a:schemeClr val="tx1"/>
+                  </a:solidFill>
+                </a:endParaRPr>
+              </a:p>
+            </p:txBody>
+          </p:sp>
+        </mc:Choice>
+        <mc:Fallback>
+          <p:sp>
+            <p:nvSpPr>
+              <p:cNvPr id="112" name="TextBox 111"/>
+              <p:cNvSpPr txBox="1">
+                <a:spLocks noRot="1" noChangeAspect="1" noMove="1" noResize="1" noEditPoints="1" noAdjustHandles="1" noChangeArrowheads="1" noChangeShapeType="1" noTextEdit="1"/>
+              </p:cNvSpPr>
+              <p:nvPr/>
+            </p:nvSpPr>
+            <p:spPr>
+              <a:xfrm>
+                <a:off x="5267960" y="3585521"/>
+                <a:ext cx="442492" cy="324769"/>
+              </a:xfrm>
+              <a:prstGeom prst="rect">
+                <a:avLst/>
+              </a:prstGeom>
+              <a:blipFill rotWithShape="0">
+                <a:blip r:embed="rId14"/>
+                <a:stretch>
+                  <a:fillRect/>
+                </a:stretch>
+              </a:blipFill>
+            </p:spPr>
+            <p:txBody>
+              <a:bodyPr/>
+              <a:lstStyle/>
+              <a:p>
+                <a:r>
+                  <a:rPr lang="en-US">
+                    <a:noFill/>
+                  </a:rPr>
+                  <a:t> </a:t>
+                </a:r>
+              </a:p>
+            </p:txBody>
+          </p:sp>
+        </mc:Fallback>
+      </mc:AlternateContent>
+      <p:sp>
+        <p:nvSpPr>
+          <p:cNvPr id="113" name="Freeform 112"/>
+          <p:cNvSpPr/>
+          <p:nvPr/>
+        </p:nvSpPr>
+        <p:spPr>
+          <a:xfrm>
+            <a:off x="2188486" y="4524382"/>
+            <a:ext cx="715169" cy="455613"/>
+          </a:xfrm>
+          <a:custGeom>
+            <a:avLst/>
+            <a:gdLst>
+              <a:gd name="connsiteX0" fmla="*/ 4644 w 1053757"/>
+              <a:gd name="connsiteY0" fmla="*/ 1620 h 361946"/>
+              <a:gd name="connsiteX1" fmla="*/ 666632 w 1053757"/>
+              <a:gd name="connsiteY1" fmla="*/ 354045 h 361946"/>
+              <a:gd name="connsiteX2" fmla="*/ 1030963 w 1053757"/>
+              <a:gd name="connsiteY2" fmla="*/ 227839 h 361946"/>
+              <a:gd name="connsiteX3" fmla="*/ 4644 w 1053757"/>
+              <a:gd name="connsiteY3" fmla="*/ 1620 h 361946"/>
+              <a:gd name="connsiteX0" fmla="*/ 4644 w 1053757"/>
+              <a:gd name="connsiteY0" fmla="*/ 1620 h 361946"/>
+              <a:gd name="connsiteX1" fmla="*/ 666632 w 1053757"/>
+              <a:gd name="connsiteY1" fmla="*/ 354045 h 361946"/>
+              <a:gd name="connsiteX2" fmla="*/ 1030963 w 1053757"/>
+              <a:gd name="connsiteY2" fmla="*/ 227839 h 361946"/>
+              <a:gd name="connsiteX3" fmla="*/ 4644 w 1053757"/>
+              <a:gd name="connsiteY3" fmla="*/ 1620 h 361946"/>
+              <a:gd name="connsiteX0" fmla="*/ 0 w 1049113"/>
+              <a:gd name="connsiteY0" fmla="*/ 1620 h 361946"/>
+              <a:gd name="connsiteX1" fmla="*/ 661988 w 1049113"/>
+              <a:gd name="connsiteY1" fmla="*/ 354045 h 361946"/>
+              <a:gd name="connsiteX2" fmla="*/ 1026319 w 1049113"/>
+              <a:gd name="connsiteY2" fmla="*/ 227839 h 361946"/>
+              <a:gd name="connsiteX3" fmla="*/ 0 w 1049113"/>
+              <a:gd name="connsiteY3" fmla="*/ 1620 h 361946"/>
+              <a:gd name="connsiteX0" fmla="*/ 0 w 1049113"/>
+              <a:gd name="connsiteY0" fmla="*/ 0 h 360326"/>
+              <a:gd name="connsiteX1" fmla="*/ 661988 w 1049113"/>
+              <a:gd name="connsiteY1" fmla="*/ 352425 h 360326"/>
+              <a:gd name="connsiteX2" fmla="*/ 1026319 w 1049113"/>
+              <a:gd name="connsiteY2" fmla="*/ 226219 h 360326"/>
+              <a:gd name="connsiteX3" fmla="*/ 0 w 1049113"/>
+              <a:gd name="connsiteY3" fmla="*/ 0 h 360326"/>
+              <a:gd name="connsiteX0" fmla="*/ 0 w 1049113"/>
+              <a:gd name="connsiteY0" fmla="*/ 0 h 360326"/>
+              <a:gd name="connsiteX1" fmla="*/ 661988 w 1049113"/>
+              <a:gd name="connsiteY1" fmla="*/ 352425 h 360326"/>
+              <a:gd name="connsiteX2" fmla="*/ 1026319 w 1049113"/>
+              <a:gd name="connsiteY2" fmla="*/ 226219 h 360326"/>
+              <a:gd name="connsiteX3" fmla="*/ 0 w 1049113"/>
+              <a:gd name="connsiteY3" fmla="*/ 0 h 360326"/>
+              <a:gd name="connsiteX0" fmla="*/ 0 w 1049113"/>
+              <a:gd name="connsiteY0" fmla="*/ 0 h 360326"/>
+              <a:gd name="connsiteX1" fmla="*/ 661988 w 1049113"/>
+              <a:gd name="connsiteY1" fmla="*/ 352425 h 360326"/>
+              <a:gd name="connsiteX2" fmla="*/ 1026319 w 1049113"/>
+              <a:gd name="connsiteY2" fmla="*/ 226219 h 360326"/>
+              <a:gd name="connsiteX3" fmla="*/ 0 w 1049113"/>
+              <a:gd name="connsiteY3" fmla="*/ 0 h 360326"/>
+              <a:gd name="connsiteX0" fmla="*/ 0 w 1049113"/>
+              <a:gd name="connsiteY0" fmla="*/ 0 h 360326"/>
+              <a:gd name="connsiteX1" fmla="*/ 661988 w 1049113"/>
+              <a:gd name="connsiteY1" fmla="*/ 352425 h 360326"/>
+              <a:gd name="connsiteX2" fmla="*/ 1026319 w 1049113"/>
+              <a:gd name="connsiteY2" fmla="*/ 226219 h 360326"/>
+              <a:gd name="connsiteX3" fmla="*/ 0 w 1049113"/>
+              <a:gd name="connsiteY3" fmla="*/ 0 h 360326"/>
+              <a:gd name="connsiteX0" fmla="*/ 0 w 1044629"/>
+              <a:gd name="connsiteY0" fmla="*/ 0 h 359939"/>
+              <a:gd name="connsiteX1" fmla="*/ 661988 w 1044629"/>
+              <a:gd name="connsiteY1" fmla="*/ 352425 h 359939"/>
+              <a:gd name="connsiteX2" fmla="*/ 1021557 w 1044629"/>
+              <a:gd name="connsiteY2" fmla="*/ 219075 h 359939"/>
+              <a:gd name="connsiteX3" fmla="*/ 0 w 1044629"/>
+              <a:gd name="connsiteY3" fmla="*/ 0 h 359939"/>
+              <a:gd name="connsiteX0" fmla="*/ 0 w 1044629"/>
+              <a:gd name="connsiteY0" fmla="*/ 0 h 359939"/>
+              <a:gd name="connsiteX1" fmla="*/ 661988 w 1044629"/>
+              <a:gd name="connsiteY1" fmla="*/ 352425 h 359939"/>
+              <a:gd name="connsiteX2" fmla="*/ 1021557 w 1044629"/>
+              <a:gd name="connsiteY2" fmla="*/ 219075 h 359939"/>
+              <a:gd name="connsiteX3" fmla="*/ 0 w 1044629"/>
+              <a:gd name="connsiteY3" fmla="*/ 0 h 359939"/>
+              <a:gd name="connsiteX0" fmla="*/ 0 w 1044629"/>
+              <a:gd name="connsiteY0" fmla="*/ 0 h 359939"/>
+              <a:gd name="connsiteX1" fmla="*/ 661988 w 1044629"/>
+              <a:gd name="connsiteY1" fmla="*/ 352425 h 359939"/>
+              <a:gd name="connsiteX2" fmla="*/ 1021557 w 1044629"/>
+              <a:gd name="connsiteY2" fmla="*/ 219075 h 359939"/>
+              <a:gd name="connsiteX3" fmla="*/ 0 w 1044629"/>
+              <a:gd name="connsiteY3" fmla="*/ 0 h 359939"/>
+              <a:gd name="connsiteX0" fmla="*/ 0 w 1044629"/>
+              <a:gd name="connsiteY0" fmla="*/ 0 h 359939"/>
+              <a:gd name="connsiteX1" fmla="*/ 661988 w 1044629"/>
+              <a:gd name="connsiteY1" fmla="*/ 352425 h 359939"/>
+              <a:gd name="connsiteX2" fmla="*/ 1021557 w 1044629"/>
+              <a:gd name="connsiteY2" fmla="*/ 219075 h 359939"/>
+              <a:gd name="connsiteX3" fmla="*/ 0 w 1044629"/>
+              <a:gd name="connsiteY3" fmla="*/ 0 h 359939"/>
+              <a:gd name="connsiteX0" fmla="*/ 0 w 1043981"/>
+              <a:gd name="connsiteY0" fmla="*/ 0 h 369673"/>
+              <a:gd name="connsiteX1" fmla="*/ 661988 w 1043981"/>
+              <a:gd name="connsiteY1" fmla="*/ 352425 h 369673"/>
+              <a:gd name="connsiteX2" fmla="*/ 1021557 w 1043981"/>
+              <a:gd name="connsiteY2" fmla="*/ 219075 h 369673"/>
+              <a:gd name="connsiteX3" fmla="*/ 0 w 1043981"/>
+              <a:gd name="connsiteY3" fmla="*/ 0 h 369673"/>
+              <a:gd name="connsiteX0" fmla="*/ 0 w 1082045"/>
+              <a:gd name="connsiteY0" fmla="*/ 0 h 373348"/>
+              <a:gd name="connsiteX1" fmla="*/ 661988 w 1082045"/>
+              <a:gd name="connsiteY1" fmla="*/ 352425 h 373348"/>
+              <a:gd name="connsiteX2" fmla="*/ 1021557 w 1082045"/>
+              <a:gd name="connsiteY2" fmla="*/ 219075 h 373348"/>
+              <a:gd name="connsiteX3" fmla="*/ 0 w 1082045"/>
+              <a:gd name="connsiteY3" fmla="*/ 0 h 373348"/>
+              <a:gd name="connsiteX0" fmla="*/ 0 w 1024499"/>
+              <a:gd name="connsiteY0" fmla="*/ 0 h 374474"/>
+              <a:gd name="connsiteX1" fmla="*/ 661988 w 1024499"/>
+              <a:gd name="connsiteY1" fmla="*/ 352425 h 374474"/>
+              <a:gd name="connsiteX2" fmla="*/ 1021557 w 1024499"/>
+              <a:gd name="connsiteY2" fmla="*/ 219075 h 374474"/>
+              <a:gd name="connsiteX3" fmla="*/ 0 w 1024499"/>
+              <a:gd name="connsiteY3" fmla="*/ 0 h 374474"/>
+              <a:gd name="connsiteX0" fmla="*/ 0 w 1023977"/>
+              <a:gd name="connsiteY0" fmla="*/ 0 h 363142"/>
+              <a:gd name="connsiteX1" fmla="*/ 661988 w 1023977"/>
+              <a:gd name="connsiteY1" fmla="*/ 352425 h 363142"/>
+              <a:gd name="connsiteX2" fmla="*/ 1021557 w 1023977"/>
+              <a:gd name="connsiteY2" fmla="*/ 219075 h 363142"/>
+              <a:gd name="connsiteX3" fmla="*/ 0 w 1023977"/>
+              <a:gd name="connsiteY3" fmla="*/ 0 h 363142"/>
+              <a:gd name="connsiteX0" fmla="*/ 0 w 1024280"/>
+              <a:gd name="connsiteY0" fmla="*/ 0 h 352425"/>
+              <a:gd name="connsiteX1" fmla="*/ 661988 w 1024280"/>
+              <a:gd name="connsiteY1" fmla="*/ 352425 h 352425"/>
+              <a:gd name="connsiteX2" fmla="*/ 1021557 w 1024280"/>
+              <a:gd name="connsiteY2" fmla="*/ 219075 h 352425"/>
+              <a:gd name="connsiteX3" fmla="*/ 0 w 1024280"/>
+              <a:gd name="connsiteY3" fmla="*/ 0 h 352425"/>
+              <a:gd name="connsiteX0" fmla="*/ 0 w 1021557"/>
+              <a:gd name="connsiteY0" fmla="*/ 0 h 352425"/>
+              <a:gd name="connsiteX1" fmla="*/ 661988 w 1021557"/>
+              <a:gd name="connsiteY1" fmla="*/ 352425 h 352425"/>
+              <a:gd name="connsiteX2" fmla="*/ 1021557 w 1021557"/>
+              <a:gd name="connsiteY2" fmla="*/ 219075 h 352425"/>
+              <a:gd name="connsiteX3" fmla="*/ 0 w 1021557"/>
+              <a:gd name="connsiteY3" fmla="*/ 0 h 352425"/>
+              <a:gd name="connsiteX0" fmla="*/ 0 w 1031082"/>
+              <a:gd name="connsiteY0" fmla="*/ 0 h 352425"/>
+              <a:gd name="connsiteX1" fmla="*/ 661988 w 1031082"/>
+              <a:gd name="connsiteY1" fmla="*/ 352425 h 352425"/>
+              <a:gd name="connsiteX2" fmla="*/ 1031082 w 1031082"/>
+              <a:gd name="connsiteY2" fmla="*/ 221457 h 352425"/>
+              <a:gd name="connsiteX3" fmla="*/ 0 w 1031082"/>
+              <a:gd name="connsiteY3" fmla="*/ 0 h 352425"/>
+              <a:gd name="connsiteX0" fmla="*/ 0 w 1031082"/>
+              <a:gd name="connsiteY0" fmla="*/ 0 h 352425"/>
+              <a:gd name="connsiteX1" fmla="*/ 661988 w 1031082"/>
+              <a:gd name="connsiteY1" fmla="*/ 352425 h 352425"/>
+              <a:gd name="connsiteX2" fmla="*/ 1031082 w 1031082"/>
+              <a:gd name="connsiteY2" fmla="*/ 221457 h 352425"/>
+              <a:gd name="connsiteX3" fmla="*/ 0 w 1031082"/>
+              <a:gd name="connsiteY3" fmla="*/ 0 h 352425"/>
+              <a:gd name="connsiteX0" fmla="*/ 0 w 1031082"/>
+              <a:gd name="connsiteY0" fmla="*/ 0 h 352425"/>
+              <a:gd name="connsiteX1" fmla="*/ 661988 w 1031082"/>
+              <a:gd name="connsiteY1" fmla="*/ 352425 h 352425"/>
+              <a:gd name="connsiteX2" fmla="*/ 1031082 w 1031082"/>
+              <a:gd name="connsiteY2" fmla="*/ 221457 h 352425"/>
+              <a:gd name="connsiteX3" fmla="*/ 0 w 1031082"/>
+              <a:gd name="connsiteY3" fmla="*/ 0 h 352425"/>
+              <a:gd name="connsiteX0" fmla="*/ 0 w 1123951"/>
+              <a:gd name="connsiteY0" fmla="*/ 130481 h 482906"/>
+              <a:gd name="connsiteX1" fmla="*/ 661988 w 1123951"/>
+              <a:gd name="connsiteY1" fmla="*/ 482906 h 482906"/>
+              <a:gd name="connsiteX2" fmla="*/ 1123951 w 1123951"/>
+              <a:gd name="connsiteY2" fmla="*/ 6656 h 482906"/>
+              <a:gd name="connsiteX3" fmla="*/ 0 w 1123951"/>
+              <a:gd name="connsiteY3" fmla="*/ 130481 h 482906"/>
+              <a:gd name="connsiteX0" fmla="*/ 0 w 1123951"/>
+              <a:gd name="connsiteY0" fmla="*/ 137099 h 489524"/>
+              <a:gd name="connsiteX1" fmla="*/ 661988 w 1123951"/>
+              <a:gd name="connsiteY1" fmla="*/ 489524 h 489524"/>
+              <a:gd name="connsiteX2" fmla="*/ 1123951 w 1123951"/>
+              <a:gd name="connsiteY2" fmla="*/ 13274 h 489524"/>
+              <a:gd name="connsiteX3" fmla="*/ 0 w 1123951"/>
+              <a:gd name="connsiteY3" fmla="*/ 137099 h 489524"/>
+              <a:gd name="connsiteX0" fmla="*/ 0 w 1135857"/>
+              <a:gd name="connsiteY0" fmla="*/ 130473 h 490042"/>
+              <a:gd name="connsiteX1" fmla="*/ 673894 w 1135857"/>
+              <a:gd name="connsiteY1" fmla="*/ 490042 h 490042"/>
+              <a:gd name="connsiteX2" fmla="*/ 1135857 w 1135857"/>
+              <a:gd name="connsiteY2" fmla="*/ 13792 h 490042"/>
+              <a:gd name="connsiteX3" fmla="*/ 0 w 1135857"/>
+              <a:gd name="connsiteY3" fmla="*/ 130473 h 490042"/>
+              <a:gd name="connsiteX0" fmla="*/ 0 w 1135857"/>
+              <a:gd name="connsiteY0" fmla="*/ 128568 h 488137"/>
+              <a:gd name="connsiteX1" fmla="*/ 673894 w 1135857"/>
+              <a:gd name="connsiteY1" fmla="*/ 488137 h 488137"/>
+              <a:gd name="connsiteX2" fmla="*/ 1135857 w 1135857"/>
+              <a:gd name="connsiteY2" fmla="*/ 11887 h 488137"/>
+              <a:gd name="connsiteX3" fmla="*/ 0 w 1135857"/>
+              <a:gd name="connsiteY3" fmla="*/ 128568 h 488137"/>
+              <a:gd name="connsiteX0" fmla="*/ 0 w 1135857"/>
+              <a:gd name="connsiteY0" fmla="*/ 128568 h 345262"/>
+              <a:gd name="connsiteX1" fmla="*/ 1000125 w 1135857"/>
+              <a:gd name="connsiteY1" fmla="*/ 345262 h 345262"/>
+              <a:gd name="connsiteX2" fmla="*/ 1135857 w 1135857"/>
+              <a:gd name="connsiteY2" fmla="*/ 11887 h 345262"/>
+              <a:gd name="connsiteX3" fmla="*/ 0 w 1135857"/>
+              <a:gd name="connsiteY3" fmla="*/ 128568 h 345262"/>
+              <a:gd name="connsiteX0" fmla="*/ 0 w 1066254"/>
+              <a:gd name="connsiteY0" fmla="*/ 289987 h 506681"/>
+              <a:gd name="connsiteX1" fmla="*/ 1000125 w 1066254"/>
+              <a:gd name="connsiteY1" fmla="*/ 506681 h 506681"/>
+              <a:gd name="connsiteX2" fmla="*/ 1054895 w 1066254"/>
+              <a:gd name="connsiteY2" fmla="*/ 6618 h 506681"/>
+              <a:gd name="connsiteX3" fmla="*/ 0 w 1066254"/>
+              <a:gd name="connsiteY3" fmla="*/ 289987 h 506681"/>
+              <a:gd name="connsiteX0" fmla="*/ 0 w 1066254"/>
+              <a:gd name="connsiteY0" fmla="*/ 283369 h 500063"/>
+              <a:gd name="connsiteX1" fmla="*/ 1000125 w 1066254"/>
+              <a:gd name="connsiteY1" fmla="*/ 500063 h 500063"/>
+              <a:gd name="connsiteX2" fmla="*/ 1054895 w 1066254"/>
+              <a:gd name="connsiteY2" fmla="*/ 0 h 500063"/>
+              <a:gd name="connsiteX3" fmla="*/ 0 w 1066254"/>
+              <a:gd name="connsiteY3" fmla="*/ 283369 h 500063"/>
+              <a:gd name="connsiteX0" fmla="*/ 0 w 1105171"/>
+              <a:gd name="connsiteY0" fmla="*/ 283369 h 500063"/>
+              <a:gd name="connsiteX1" fmla="*/ 1000125 w 1105171"/>
+              <a:gd name="connsiteY1" fmla="*/ 500063 h 500063"/>
+              <a:gd name="connsiteX2" fmla="*/ 1054895 w 1105171"/>
+              <a:gd name="connsiteY2" fmla="*/ 0 h 500063"/>
+              <a:gd name="connsiteX3" fmla="*/ 0 w 1105171"/>
+              <a:gd name="connsiteY3" fmla="*/ 283369 h 500063"/>
+              <a:gd name="connsiteX0" fmla="*/ 0 w 1105171"/>
+              <a:gd name="connsiteY0" fmla="*/ 283369 h 500063"/>
+              <a:gd name="connsiteX1" fmla="*/ 1000125 w 1105171"/>
+              <a:gd name="connsiteY1" fmla="*/ 500063 h 500063"/>
+              <a:gd name="connsiteX2" fmla="*/ 1054895 w 1105171"/>
+              <a:gd name="connsiteY2" fmla="*/ 0 h 500063"/>
+              <a:gd name="connsiteX3" fmla="*/ 0 w 1105171"/>
+              <a:gd name="connsiteY3" fmla="*/ 283369 h 500063"/>
+              <a:gd name="connsiteX0" fmla="*/ 0 w 1105171"/>
+              <a:gd name="connsiteY0" fmla="*/ 283369 h 500063"/>
+              <a:gd name="connsiteX1" fmla="*/ 1000125 w 1105171"/>
+              <a:gd name="connsiteY1" fmla="*/ 500063 h 500063"/>
+              <a:gd name="connsiteX2" fmla="*/ 1054895 w 1105171"/>
+              <a:gd name="connsiteY2" fmla="*/ 0 h 500063"/>
+              <a:gd name="connsiteX3" fmla="*/ 0 w 1105171"/>
+              <a:gd name="connsiteY3" fmla="*/ 283369 h 500063"/>
+              <a:gd name="connsiteX0" fmla="*/ 0 w 1126602"/>
+              <a:gd name="connsiteY0" fmla="*/ 280988 h 500063"/>
+              <a:gd name="connsiteX1" fmla="*/ 1021556 w 1126602"/>
+              <a:gd name="connsiteY1" fmla="*/ 500063 h 500063"/>
+              <a:gd name="connsiteX2" fmla="*/ 1076326 w 1126602"/>
+              <a:gd name="connsiteY2" fmla="*/ 0 h 500063"/>
+              <a:gd name="connsiteX3" fmla="*/ 0 w 1126602"/>
+              <a:gd name="connsiteY3" fmla="*/ 280988 h 500063"/>
+              <a:gd name="connsiteX0" fmla="*/ 0 w 1126602"/>
+              <a:gd name="connsiteY0" fmla="*/ 280988 h 500063"/>
+              <a:gd name="connsiteX1" fmla="*/ 1021556 w 1126602"/>
+              <a:gd name="connsiteY1" fmla="*/ 500063 h 500063"/>
+              <a:gd name="connsiteX2" fmla="*/ 1076326 w 1126602"/>
+              <a:gd name="connsiteY2" fmla="*/ 0 h 500063"/>
+              <a:gd name="connsiteX3" fmla="*/ 0 w 1126602"/>
+              <a:gd name="connsiteY3" fmla="*/ 280988 h 500063"/>
+              <a:gd name="connsiteX0" fmla="*/ 0 w 1126602"/>
+              <a:gd name="connsiteY0" fmla="*/ 280988 h 500063"/>
+              <a:gd name="connsiteX1" fmla="*/ 1021556 w 1126602"/>
+              <a:gd name="connsiteY1" fmla="*/ 500063 h 500063"/>
+              <a:gd name="connsiteX2" fmla="*/ 1076326 w 1126602"/>
+              <a:gd name="connsiteY2" fmla="*/ 0 h 500063"/>
+              <a:gd name="connsiteX3" fmla="*/ 0 w 1126602"/>
+              <a:gd name="connsiteY3" fmla="*/ 280988 h 500063"/>
+              <a:gd name="connsiteX0" fmla="*/ 0 w 1156722"/>
+              <a:gd name="connsiteY0" fmla="*/ 280988 h 500063"/>
+              <a:gd name="connsiteX1" fmla="*/ 1021556 w 1156722"/>
+              <a:gd name="connsiteY1" fmla="*/ 500063 h 500063"/>
+              <a:gd name="connsiteX2" fmla="*/ 1076326 w 1156722"/>
+              <a:gd name="connsiteY2" fmla="*/ 0 h 500063"/>
+              <a:gd name="connsiteX3" fmla="*/ 0 w 1156722"/>
+              <a:gd name="connsiteY3" fmla="*/ 280988 h 500063"/>
+              <a:gd name="connsiteX0" fmla="*/ 0 w 1146379"/>
+              <a:gd name="connsiteY0" fmla="*/ 280988 h 500063"/>
+              <a:gd name="connsiteX1" fmla="*/ 1021556 w 1146379"/>
+              <a:gd name="connsiteY1" fmla="*/ 500063 h 500063"/>
+              <a:gd name="connsiteX2" fmla="*/ 1076326 w 1146379"/>
+              <a:gd name="connsiteY2" fmla="*/ 0 h 500063"/>
+              <a:gd name="connsiteX3" fmla="*/ 0 w 1146379"/>
+              <a:gd name="connsiteY3" fmla="*/ 280988 h 500063"/>
+              <a:gd name="connsiteX0" fmla="*/ 0 w 1405697"/>
+              <a:gd name="connsiteY0" fmla="*/ 364331 h 583406"/>
+              <a:gd name="connsiteX1" fmla="*/ 1021556 w 1405697"/>
+              <a:gd name="connsiteY1" fmla="*/ 583406 h 583406"/>
+              <a:gd name="connsiteX2" fmla="*/ 1376364 w 1405697"/>
+              <a:gd name="connsiteY2" fmla="*/ 0 h 583406"/>
+              <a:gd name="connsiteX3" fmla="*/ 0 w 1405697"/>
+              <a:gd name="connsiteY3" fmla="*/ 364331 h 583406"/>
+              <a:gd name="connsiteX0" fmla="*/ 0 w 1443668"/>
+              <a:gd name="connsiteY0" fmla="*/ 364331 h 364331"/>
+              <a:gd name="connsiteX1" fmla="*/ 1312069 w 1443668"/>
+              <a:gd name="connsiteY1" fmla="*/ 228600 h 364331"/>
+              <a:gd name="connsiteX2" fmla="*/ 1376364 w 1443668"/>
+              <a:gd name="connsiteY2" fmla="*/ 0 h 364331"/>
+              <a:gd name="connsiteX3" fmla="*/ 0 w 1443668"/>
+              <a:gd name="connsiteY3" fmla="*/ 364331 h 364331"/>
+              <a:gd name="connsiteX0" fmla="*/ 0 w 1430990"/>
+              <a:gd name="connsiteY0" fmla="*/ 364331 h 364331"/>
+              <a:gd name="connsiteX1" fmla="*/ 1312069 w 1430990"/>
+              <a:gd name="connsiteY1" fmla="*/ 228600 h 364331"/>
+              <a:gd name="connsiteX2" fmla="*/ 1376364 w 1430990"/>
+              <a:gd name="connsiteY2" fmla="*/ 0 h 364331"/>
+              <a:gd name="connsiteX3" fmla="*/ 0 w 1430990"/>
+              <a:gd name="connsiteY3" fmla="*/ 364331 h 364331"/>
+              <a:gd name="connsiteX0" fmla="*/ 0 w 1580215"/>
+              <a:gd name="connsiteY0" fmla="*/ 205581 h 228600"/>
+              <a:gd name="connsiteX1" fmla="*/ 1461294 w 1580215"/>
+              <a:gd name="connsiteY1" fmla="*/ 228600 h 228600"/>
+              <a:gd name="connsiteX2" fmla="*/ 1525589 w 1580215"/>
+              <a:gd name="connsiteY2" fmla="*/ 0 h 228600"/>
+              <a:gd name="connsiteX3" fmla="*/ 0 w 1580215"/>
+              <a:gd name="connsiteY3" fmla="*/ 205581 h 228600"/>
+              <a:gd name="connsiteX0" fmla="*/ 0 w 1544834"/>
+              <a:gd name="connsiteY0" fmla="*/ 205581 h 822325"/>
+              <a:gd name="connsiteX1" fmla="*/ 1140619 w 1544834"/>
+              <a:gd name="connsiteY1" fmla="*/ 822325 h 822325"/>
+              <a:gd name="connsiteX2" fmla="*/ 1525589 w 1544834"/>
+              <a:gd name="connsiteY2" fmla="*/ 0 h 822325"/>
+              <a:gd name="connsiteX3" fmla="*/ 0 w 1544834"/>
+              <a:gd name="connsiteY3" fmla="*/ 205581 h 822325"/>
+              <a:gd name="connsiteX0" fmla="*/ 0 w 1298618"/>
+              <a:gd name="connsiteY0" fmla="*/ 129381 h 746125"/>
+              <a:gd name="connsiteX1" fmla="*/ 1140619 w 1298618"/>
+              <a:gd name="connsiteY1" fmla="*/ 746125 h 746125"/>
+              <a:gd name="connsiteX2" fmla="*/ 1255714 w 1298618"/>
+              <a:gd name="connsiteY2" fmla="*/ 0 h 746125"/>
+              <a:gd name="connsiteX3" fmla="*/ 0 w 1298618"/>
+              <a:gd name="connsiteY3" fmla="*/ 129381 h 746125"/>
+              <a:gd name="connsiteX0" fmla="*/ 0 w 1298618"/>
+              <a:gd name="connsiteY0" fmla="*/ 129381 h 746125"/>
+              <a:gd name="connsiteX1" fmla="*/ 1140619 w 1298618"/>
+              <a:gd name="connsiteY1" fmla="*/ 746125 h 746125"/>
+              <a:gd name="connsiteX2" fmla="*/ 1255714 w 1298618"/>
+              <a:gd name="connsiteY2" fmla="*/ 0 h 746125"/>
+              <a:gd name="connsiteX3" fmla="*/ 0 w 1298618"/>
+              <a:gd name="connsiteY3" fmla="*/ 129381 h 746125"/>
+              <a:gd name="connsiteX0" fmla="*/ 0 w 1300560"/>
+              <a:gd name="connsiteY0" fmla="*/ 119856 h 736600"/>
+              <a:gd name="connsiteX1" fmla="*/ 1140619 w 1300560"/>
+              <a:gd name="connsiteY1" fmla="*/ 736600 h 736600"/>
+              <a:gd name="connsiteX2" fmla="*/ 1258095 w 1300560"/>
+              <a:gd name="connsiteY2" fmla="*/ 0 h 736600"/>
+              <a:gd name="connsiteX3" fmla="*/ 0 w 1300560"/>
+              <a:gd name="connsiteY3" fmla="*/ 119856 h 736600"/>
+              <a:gd name="connsiteX0" fmla="*/ 0 w 1300560"/>
+              <a:gd name="connsiteY0" fmla="*/ 119856 h 736600"/>
+              <a:gd name="connsiteX1" fmla="*/ 1140619 w 1300560"/>
+              <a:gd name="connsiteY1" fmla="*/ 736600 h 736600"/>
+              <a:gd name="connsiteX2" fmla="*/ 1258095 w 1300560"/>
+              <a:gd name="connsiteY2" fmla="*/ 0 h 736600"/>
+              <a:gd name="connsiteX3" fmla="*/ 0 w 1300560"/>
+              <a:gd name="connsiteY3" fmla="*/ 119856 h 736600"/>
+              <a:gd name="connsiteX0" fmla="*/ 0 w 1331614"/>
+              <a:gd name="connsiteY0" fmla="*/ 119856 h 736600"/>
+              <a:gd name="connsiteX1" fmla="*/ 1140619 w 1331614"/>
+              <a:gd name="connsiteY1" fmla="*/ 736600 h 736600"/>
+              <a:gd name="connsiteX2" fmla="*/ 1258095 w 1331614"/>
+              <a:gd name="connsiteY2" fmla="*/ 0 h 736600"/>
+              <a:gd name="connsiteX3" fmla="*/ 0 w 1331614"/>
+              <a:gd name="connsiteY3" fmla="*/ 119856 h 736600"/>
+              <a:gd name="connsiteX0" fmla="*/ 0 w 1342829"/>
+              <a:gd name="connsiteY0" fmla="*/ 119856 h 736600"/>
+              <a:gd name="connsiteX1" fmla="*/ 1140619 w 1342829"/>
+              <a:gd name="connsiteY1" fmla="*/ 736600 h 736600"/>
+              <a:gd name="connsiteX2" fmla="*/ 1258095 w 1342829"/>
+              <a:gd name="connsiteY2" fmla="*/ 0 h 736600"/>
+              <a:gd name="connsiteX3" fmla="*/ 0 w 1342829"/>
+              <a:gd name="connsiteY3" fmla="*/ 119856 h 736600"/>
+              <a:gd name="connsiteX0" fmla="*/ 0 w 1282973"/>
+              <a:gd name="connsiteY0" fmla="*/ 119856 h 508000"/>
+              <a:gd name="connsiteX1" fmla="*/ 702469 w 1282973"/>
+              <a:gd name="connsiteY1" fmla="*/ 508000 h 508000"/>
+              <a:gd name="connsiteX2" fmla="*/ 1258095 w 1282973"/>
+              <a:gd name="connsiteY2" fmla="*/ 0 h 508000"/>
+              <a:gd name="connsiteX3" fmla="*/ 0 w 1282973"/>
+              <a:gd name="connsiteY3" fmla="*/ 119856 h 508000"/>
+              <a:gd name="connsiteX0" fmla="*/ 0 w 884420"/>
+              <a:gd name="connsiteY0" fmla="*/ 72231 h 460375"/>
+              <a:gd name="connsiteX1" fmla="*/ 702469 w 884420"/>
+              <a:gd name="connsiteY1" fmla="*/ 460375 h 460375"/>
+              <a:gd name="connsiteX2" fmla="*/ 786607 w 884420"/>
+              <a:gd name="connsiteY2" fmla="*/ 0 h 460375"/>
+              <a:gd name="connsiteX3" fmla="*/ 0 w 884420"/>
+              <a:gd name="connsiteY3" fmla="*/ 72231 h 460375"/>
+              <a:gd name="connsiteX0" fmla="*/ 0 w 845861"/>
+              <a:gd name="connsiteY0" fmla="*/ 72231 h 460375"/>
+              <a:gd name="connsiteX1" fmla="*/ 702469 w 845861"/>
+              <a:gd name="connsiteY1" fmla="*/ 460375 h 460375"/>
+              <a:gd name="connsiteX2" fmla="*/ 786607 w 845861"/>
+              <a:gd name="connsiteY2" fmla="*/ 0 h 460375"/>
+              <a:gd name="connsiteX3" fmla="*/ 0 w 845861"/>
+              <a:gd name="connsiteY3" fmla="*/ 72231 h 460375"/>
+              <a:gd name="connsiteX0" fmla="*/ 0 w 829609"/>
+              <a:gd name="connsiteY0" fmla="*/ 72231 h 460375"/>
+              <a:gd name="connsiteX1" fmla="*/ 702469 w 829609"/>
+              <a:gd name="connsiteY1" fmla="*/ 460375 h 460375"/>
+              <a:gd name="connsiteX2" fmla="*/ 786607 w 829609"/>
+              <a:gd name="connsiteY2" fmla="*/ 0 h 460375"/>
+              <a:gd name="connsiteX3" fmla="*/ 0 w 829609"/>
+              <a:gd name="connsiteY3" fmla="*/ 72231 h 460375"/>
+              <a:gd name="connsiteX0" fmla="*/ 0 w 796020"/>
+              <a:gd name="connsiteY0" fmla="*/ 72231 h 460375"/>
+              <a:gd name="connsiteX1" fmla="*/ 702469 w 796020"/>
+              <a:gd name="connsiteY1" fmla="*/ 460375 h 460375"/>
+              <a:gd name="connsiteX2" fmla="*/ 786607 w 796020"/>
+              <a:gd name="connsiteY2" fmla="*/ 0 h 460375"/>
+              <a:gd name="connsiteX3" fmla="*/ 0 w 796020"/>
+              <a:gd name="connsiteY3" fmla="*/ 72231 h 460375"/>
+              <a:gd name="connsiteX0" fmla="*/ 0 w 786607"/>
+              <a:gd name="connsiteY0" fmla="*/ 72231 h 460375"/>
+              <a:gd name="connsiteX1" fmla="*/ 702469 w 786607"/>
+              <a:gd name="connsiteY1" fmla="*/ 460375 h 460375"/>
+              <a:gd name="connsiteX2" fmla="*/ 786607 w 786607"/>
+              <a:gd name="connsiteY2" fmla="*/ 0 h 460375"/>
+              <a:gd name="connsiteX3" fmla="*/ 0 w 786607"/>
+              <a:gd name="connsiteY3" fmla="*/ 72231 h 460375"/>
+              <a:gd name="connsiteX0" fmla="*/ 0 w 715169"/>
+              <a:gd name="connsiteY0" fmla="*/ 67469 h 455613"/>
+              <a:gd name="connsiteX1" fmla="*/ 702469 w 715169"/>
+              <a:gd name="connsiteY1" fmla="*/ 455613 h 455613"/>
+              <a:gd name="connsiteX2" fmla="*/ 715169 w 715169"/>
+              <a:gd name="connsiteY2" fmla="*/ 0 h 455613"/>
+              <a:gd name="connsiteX3" fmla="*/ 0 w 715169"/>
+              <a:gd name="connsiteY3" fmla="*/ 67469 h 455613"/>
+            </a:gdLst>
+            <a:ahLst/>
+            <a:cxnLst>
+              <a:cxn ang="0">
+                <a:pos x="connsiteX0" y="connsiteY0"/>
+              </a:cxn>
+              <a:cxn ang="0">
+                <a:pos x="connsiteX1" y="connsiteY1"/>
+              </a:cxn>
+              <a:cxn ang="0">
+                <a:pos x="connsiteX2" y="connsiteY2"/>
+              </a:cxn>
+              <a:cxn ang="0">
+                <a:pos x="connsiteX3" y="connsiteY3"/>
+              </a:cxn>
+            </a:cxnLst>
+            <a:rect l="l" t="t" r="r" b="b"/>
+            <a:pathLst>
+              <a:path w="715169" h="455613">
+                <a:moveTo>
+                  <a:pt x="0" y="67469"/>
+                </a:moveTo>
+                <a:lnTo>
+                  <a:pt x="702469" y="455613"/>
+                </a:lnTo>
+                <a:lnTo>
+                  <a:pt x="715169" y="0"/>
+                </a:lnTo>
+                <a:lnTo>
+                  <a:pt x="0" y="67469"/>
+                </a:lnTo>
+                <a:close/>
+              </a:path>
+            </a:pathLst>
+          </a:custGeom>
+          <a:solidFill>
+            <a:srgbClr val="FFC000"/>
+          </a:solidFill>
+          <a:ln w="19050">
+            <a:solidFill>
+              <a:schemeClr val="accent4">
+                <a:lumMod val="75000"/>
+              </a:schemeClr>
+            </a:solidFill>
+            <a:round/>
+          </a:ln>
+        </p:spPr>
+        <p:style>
+          <a:lnRef idx="1">
+            <a:schemeClr val="accent1"/>
+          </a:lnRef>
+          <a:fillRef idx="0">
+            <a:schemeClr val="accent1"/>
+          </a:fillRef>
+          <a:effectRef idx="0">
+            <a:schemeClr val="accent1"/>
+          </a:effectRef>
+          <a:fontRef idx="minor">
+            <a:schemeClr val="tx1"/>
+          </a:fontRef>
+        </p:style>
+        <p:txBody>
+          <a:bodyPr rtlCol="0" anchor="ctr"/>
+          <a:lstStyle/>
+          <a:p>
+            <a:pPr algn="ctr"/>
+            <a:endParaRPr lang="en-US"/>
+          </a:p>
+        </p:txBody>
+      </p:sp>
+      <p:cxnSp>
+        <p:nvCxnSpPr>
+          <p:cNvPr id="114" name="Straight Arrow Connector 113"/>
+          <p:cNvCxnSpPr/>
+          <p:nvPr/>
+        </p:nvCxnSpPr>
+        <p:spPr>
+          <a:xfrm flipV="1">
+            <a:off x="2171889" y="4366148"/>
+            <a:ext cx="2354770" cy="227500"/>
+          </a:xfrm>
+          <a:prstGeom prst="straightConnector1">
+            <a:avLst/>
+          </a:prstGeom>
+          <a:ln w="50800" cap="rnd">
+            <a:solidFill>
+              <a:schemeClr val="bg2">
+                <a:lumMod val="25000"/>
+              </a:schemeClr>
+            </a:solidFill>
+            <a:bevel/>
+            <a:tailEnd type="triangle" w="lg" len="lg"/>
+          </a:ln>
+        </p:spPr>
+        <p:style>
+          <a:lnRef idx="1">
+            <a:schemeClr val="accent1"/>
+          </a:lnRef>
+          <a:fillRef idx="0">
+            <a:schemeClr val="accent1"/>
+          </a:fillRef>
+          <a:effectRef idx="0">
+            <a:schemeClr val="accent1"/>
+          </a:effectRef>
+          <a:fontRef idx="minor">
+            <a:schemeClr val="tx1"/>
+          </a:fontRef>
+        </p:style>
+      </p:cxnSp>
+      <p:sp>
+        <p:nvSpPr>
+          <p:cNvPr id="115" name="Oval 114"/>
+          <p:cNvSpPr/>
+          <p:nvPr/>
+        </p:nvSpPr>
+        <p:spPr>
+          <a:xfrm>
+            <a:off x="4308793" y="4374505"/>
+            <a:ext cx="45719" cy="45719"/>
+          </a:xfrm>
+          <a:prstGeom prst="ellipse">
+            <a:avLst/>
+          </a:prstGeom>
+          <a:scene3d>
+            <a:camera prst="orthographicFront">
+              <a:rot lat="3455103" lon="20966668" rev="4963544"/>
+            </a:camera>
+            <a:lightRig rig="threePt" dir="t"/>
+          </a:scene3d>
+          <a:sp3d>
+            <a:bevelT w="0" h="2540000"/>
+            <a:bevelB w="0" h="0"/>
+          </a:sp3d>
+        </p:spPr>
+        <p:style>
+          <a:lnRef idx="2">
+            <a:schemeClr val="accent1">
+              <a:shade val="50000"/>
+            </a:schemeClr>
+          </a:lnRef>
+          <a:fillRef idx="1">
+            <a:schemeClr val="accent1"/>
+          </a:fillRef>
+          <a:effectRef idx="0">
+            <a:schemeClr val="accent1"/>
+          </a:effectRef>
+          <a:fontRef idx="minor">
+            <a:schemeClr val="lt1"/>
+          </a:fontRef>
+        </p:style>
+        <p:txBody>
+          <a:bodyPr rtlCol="0" anchor="ctr"/>
+          <a:lstStyle/>
+          <a:p>
+            <a:pPr algn="ctr"/>
+            <a:endParaRPr lang="en-US"/>
+          </a:p>
+        </p:txBody>
+      </p:sp>
+      <p:sp>
+        <p:nvSpPr>
+          <p:cNvPr id="116" name="Oval 115"/>
+          <p:cNvSpPr/>
+          <p:nvPr/>
+        </p:nvSpPr>
+        <p:spPr>
+          <a:xfrm>
+            <a:off x="4457401" y="4198669"/>
+            <a:ext cx="359388" cy="359388"/>
+          </a:xfrm>
+          <a:prstGeom prst="ellipse">
+            <a:avLst/>
+          </a:prstGeom>
+          <a:scene3d>
+            <a:camera prst="orthographicFront">
+              <a:rot lat="3456000" lon="20964000" rev="4962000"/>
+            </a:camera>
+            <a:lightRig rig="threePt" dir="t"/>
+          </a:scene3d>
+          <a:sp3d>
+            <a:bevelT w="228600" h="501650" prst="angle"/>
+            <a:bevelB w="0" h="0"/>
+          </a:sp3d>
+        </p:spPr>
+        <p:style>
+          <a:lnRef idx="2">
+            <a:schemeClr val="accent1">
+              <a:shade val="50000"/>
+            </a:schemeClr>
+          </a:lnRef>
+          <a:fillRef idx="1">
+            <a:schemeClr val="accent1"/>
+          </a:fillRef>
+          <a:effectRef idx="0">
+            <a:schemeClr val="accent1"/>
+          </a:effectRef>
+          <a:fontRef idx="minor">
+            <a:schemeClr val="lt1"/>
+          </a:fontRef>
+        </p:style>
+        <p:txBody>
+          <a:bodyPr rtlCol="0" anchor="ctr"/>
+          <a:lstStyle/>
+          <a:p>
+            <a:pPr algn="ctr"/>
+            <a:endParaRPr lang="en-US"/>
+          </a:p>
+        </p:txBody>
+      </p:sp>
+      <p:sp>
+        <p:nvSpPr>
+          <p:cNvPr id="117" name="Rectangle 116"/>
+          <p:cNvSpPr/>
+          <p:nvPr/>
+        </p:nvSpPr>
+        <p:spPr>
+          <a:xfrm>
+            <a:off x="7510423" y="272635"/>
+            <a:ext cx="926216" cy="523220"/>
+          </a:xfrm>
+          <a:prstGeom prst="rect">
+            <a:avLst/>
+          </a:prstGeom>
+        </p:spPr>
+        <p:txBody>
+          <a:bodyPr wrap="none">
+            <a:spAutoFit/>
+          </a:bodyPr>
+          <a:lstStyle/>
+          <a:p>
+            <a:r>
+              <a:rPr lang="en-US" sz="2800" b="1" dirty="0" smtClean="0">
+                <a:solidFill>
+                  <a:srgbClr val="FF0000"/>
+                </a:solidFill>
+              </a:rPr>
+              <a:t>DEST</a:t>
+            </a:r>
+            <a:endParaRPr lang="en-US" sz="2800" b="1" dirty="0">
+              <a:solidFill>
+                <a:srgbClr val="FF0000"/>
+              </a:solidFill>
+            </a:endParaRPr>
+          </a:p>
+        </p:txBody>
+      </p:sp>
+      <mc:AlternateContent xmlns:mc="http://schemas.openxmlformats.org/markup-compatibility/2006">
+        <mc:Choice xmlns:a14="http://schemas.microsoft.com/office/drawing/2010/main" Requires="a14">
+          <p:sp>
+            <p:nvSpPr>
+              <p:cNvPr id="118" name="Rectangle 117"/>
+              <p:cNvSpPr/>
+              <p:nvPr/>
+            </p:nvSpPr>
+            <p:spPr>
+              <a:xfrm>
+                <a:off x="617512" y="958586"/>
+                <a:ext cx="1984326" cy="1790683"/>
+              </a:xfrm>
+              <a:prstGeom prst="rect">
+                <a:avLst/>
+              </a:prstGeom>
+            </p:spPr>
+            <p:txBody>
+              <a:bodyPr wrap="none">
+                <a:spAutoFit/>
+              </a:bodyPr>
+              <a:lstStyle/>
+              <a:p>
+                <a:pPr/>
+                <a14:m>
+                  <m:oMathPara xmlns:m="http://schemas.openxmlformats.org/officeDocument/2006/math">
+                    <m:oMathParaPr>
+                      <m:jc m:val="centerGroup"/>
+                    </m:oMathParaPr>
+                    <m:oMath xmlns:m="http://schemas.openxmlformats.org/officeDocument/2006/math">
+                      <m:r>
+                        <a:rPr lang="en-US" b="0" i="1" smtClean="0">
+                          <a:solidFill>
+                            <a:schemeClr val="tx1"/>
+                          </a:solidFill>
+                          <a:latin typeface="Cambria Math" panose="02040503050406030204" pitchFamily="18" charset="0"/>
+                        </a:rPr>
+                        <m:t>𝑥</m:t>
+                      </m:r>
+                      <m:r>
+                        <a:rPr lang="en-US" b="0" i="1" smtClean="0">
+                          <a:solidFill>
+                            <a:schemeClr val="tx1"/>
+                          </a:solidFill>
+                          <a:latin typeface="Cambria Math" panose="02040503050406030204" pitchFamily="18" charset="0"/>
+                        </a:rPr>
+                        <m:t>=</m:t>
+                      </m:r>
+                      <m:func>
+                        <m:funcPr>
+                          <m:ctrlPr>
+                            <a:rPr lang="en-US" b="0" i="1" smtClean="0">
+                              <a:solidFill>
+                                <a:schemeClr val="tx1"/>
+                              </a:solidFill>
+                              <a:latin typeface="Cambria Math" panose="02040503050406030204" pitchFamily="18" charset="0"/>
+                            </a:rPr>
+                          </m:ctrlPr>
+                        </m:funcPr>
+                        <m:fName>
+                          <m:r>
+                            <m:rPr>
+                              <m:sty m:val="p"/>
+                            </m:rPr>
+                            <a:rPr lang="en-US" b="0" i="0" smtClean="0">
+                              <a:solidFill>
+                                <a:schemeClr val="tx1"/>
+                              </a:solidFill>
+                              <a:latin typeface="Cambria Math" panose="02040503050406030204" pitchFamily="18" charset="0"/>
+                            </a:rPr>
+                            <m:t>cos</m:t>
+                          </m:r>
+                        </m:fName>
+                        <m:e>
+                          <m:sSub>
+                            <m:sSubPr>
+                              <m:ctrlPr>
+                                <a:rPr lang="en-US" b="0" i="1" smtClean="0">
+                                  <a:solidFill>
+                                    <a:schemeClr val="tx1"/>
+                                  </a:solidFill>
+                                  <a:latin typeface="Cambria Math" panose="02040503050406030204" pitchFamily="18" charset="0"/>
+                                </a:rPr>
+                              </m:ctrlPr>
+                            </m:sSubPr>
+                            <m:e>
+                              <m:r>
+                                <a:rPr lang="en-US" b="0" i="1" smtClean="0">
+                                  <a:solidFill>
+                                    <a:schemeClr val="tx1"/>
+                                  </a:solidFill>
+                                  <a:latin typeface="Cambria Math" panose="02040503050406030204" pitchFamily="18" charset="0"/>
+                                </a:rPr>
+                                <m:t>𝜃</m:t>
+                              </m:r>
+                            </m:e>
+                            <m:sub>
+                              <m:r>
+                                <a:rPr lang="en-US" b="0" i="1" smtClean="0">
+                                  <a:solidFill>
+                                    <a:schemeClr val="tx1"/>
+                                  </a:solidFill>
+                                  <a:latin typeface="Cambria Math" panose="02040503050406030204" pitchFamily="18" charset="0"/>
+                                </a:rPr>
+                                <m:t>𝑦</m:t>
+                              </m:r>
+                            </m:sub>
+                          </m:sSub>
+                        </m:e>
+                      </m:func>
+                      <m:func>
+                        <m:funcPr>
+                          <m:ctrlPr>
+                            <a:rPr lang="en-US" i="1">
+                              <a:solidFill>
+                                <a:schemeClr val="tx1"/>
+                              </a:solidFill>
+                              <a:latin typeface="Cambria Math" panose="02040503050406030204" pitchFamily="18" charset="0"/>
+                            </a:rPr>
+                          </m:ctrlPr>
+                        </m:funcPr>
+                        <m:fName>
+                          <m:r>
+                            <m:rPr>
+                              <m:sty m:val="p"/>
+                            </m:rPr>
+                            <a:rPr lang="en-US">
+                              <a:solidFill>
+                                <a:schemeClr val="tx1"/>
+                              </a:solidFill>
+                              <a:latin typeface="Cambria Math" panose="02040503050406030204" pitchFamily="18" charset="0"/>
+                            </a:rPr>
+                            <m:t>sin</m:t>
+                          </m:r>
+                        </m:fName>
+                        <m:e>
+                          <m:sSub>
+                            <m:sSubPr>
+                              <m:ctrlPr>
+                                <a:rPr lang="en-US" i="1">
+                                  <a:solidFill>
+                                    <a:schemeClr val="tx1"/>
+                                  </a:solidFill>
+                                  <a:latin typeface="Cambria Math" panose="02040503050406030204" pitchFamily="18" charset="0"/>
+                                </a:rPr>
+                              </m:ctrlPr>
+                            </m:sSubPr>
+                            <m:e>
+                              <m:r>
+                                <a:rPr lang="en-US" i="1">
+                                  <a:solidFill>
+                                    <a:schemeClr val="tx1"/>
+                                  </a:solidFill>
+                                  <a:latin typeface="Cambria Math" panose="02040503050406030204" pitchFamily="18" charset="0"/>
+                                </a:rPr>
+                                <m:t>𝜃</m:t>
+                              </m:r>
+                            </m:e>
+                            <m:sub>
+                              <m:r>
+                                <a:rPr lang="en-US" i="1">
+                                  <a:solidFill>
+                                    <a:schemeClr val="tx1"/>
+                                  </a:solidFill>
+                                  <a:latin typeface="Cambria Math" panose="02040503050406030204" pitchFamily="18" charset="0"/>
+                                </a:rPr>
+                                <m:t>𝑥</m:t>
+                              </m:r>
+                            </m:sub>
+                          </m:sSub>
+                        </m:e>
+                      </m:func>
+                    </m:oMath>
+                    <m:oMath xmlns:m="http://schemas.openxmlformats.org/officeDocument/2006/math">
+                      <m:r>
+                        <a:rPr lang="en-US" b="0" i="1" smtClean="0">
+                          <a:solidFill>
+                            <a:schemeClr val="tx1"/>
+                          </a:solidFill>
+                          <a:latin typeface="Cambria Math" panose="02040503050406030204" pitchFamily="18" charset="0"/>
+                        </a:rPr>
+                        <m:t>𝑦</m:t>
+                      </m:r>
+                      <m:r>
+                        <a:rPr lang="en-US" b="0" i="1" smtClean="0">
+                          <a:solidFill>
+                            <a:schemeClr val="tx1"/>
+                          </a:solidFill>
+                          <a:latin typeface="Cambria Math" panose="02040503050406030204" pitchFamily="18" charset="0"/>
+                        </a:rPr>
+                        <m:t>=</m:t>
+                      </m:r>
+                      <m:func>
+                        <m:funcPr>
+                          <m:ctrlPr>
+                            <a:rPr lang="en-US" b="0" i="1" smtClean="0">
+                              <a:solidFill>
+                                <a:schemeClr val="tx1"/>
+                              </a:solidFill>
+                              <a:latin typeface="Cambria Math" panose="02040503050406030204" pitchFamily="18" charset="0"/>
+                            </a:rPr>
+                          </m:ctrlPr>
+                        </m:funcPr>
+                        <m:fName>
+                          <m:r>
+                            <m:rPr>
+                              <m:sty m:val="p"/>
+                            </m:rPr>
+                            <a:rPr lang="en-US" b="0" i="0" smtClean="0">
+                              <a:solidFill>
+                                <a:schemeClr val="tx1"/>
+                              </a:solidFill>
+                              <a:latin typeface="Cambria Math" panose="02040503050406030204" pitchFamily="18" charset="0"/>
+                            </a:rPr>
+                            <m:t>sin</m:t>
+                          </m:r>
+                        </m:fName>
+                        <m:e>
+                          <m:sSub>
+                            <m:sSubPr>
+                              <m:ctrlPr>
+                                <a:rPr lang="en-US" b="0" i="1" smtClean="0">
+                                  <a:solidFill>
+                                    <a:schemeClr val="tx1"/>
+                                  </a:solidFill>
+                                  <a:latin typeface="Cambria Math" panose="02040503050406030204" pitchFamily="18" charset="0"/>
+                                </a:rPr>
+                              </m:ctrlPr>
+                            </m:sSubPr>
+                            <m:e>
+                              <m:r>
+                                <a:rPr lang="en-US" b="0" i="1" smtClean="0">
+                                  <a:solidFill>
+                                    <a:schemeClr val="tx1"/>
+                                  </a:solidFill>
+                                  <a:latin typeface="Cambria Math" panose="02040503050406030204" pitchFamily="18" charset="0"/>
+                                </a:rPr>
+                                <m:t>𝜃</m:t>
+                              </m:r>
+                            </m:e>
+                            <m:sub>
+                              <m:r>
+                                <a:rPr lang="en-US" b="0" i="1" smtClean="0">
+                                  <a:solidFill>
+                                    <a:schemeClr val="tx1"/>
+                                  </a:solidFill>
+                                  <a:latin typeface="Cambria Math" panose="02040503050406030204" pitchFamily="18" charset="0"/>
+                                </a:rPr>
+                                <m:t>𝑦</m:t>
+                              </m:r>
+                            </m:sub>
+                          </m:sSub>
+                        </m:e>
+                      </m:func>
+                    </m:oMath>
+                    <m:oMath xmlns:m="http://schemas.openxmlformats.org/officeDocument/2006/math">
+                      <m:r>
+                        <m:rPr>
+                          <m:sty m:val="p"/>
+                        </m:rPr>
+                        <a:rPr lang="en-US" b="0" i="0" smtClean="0">
+                          <a:solidFill>
+                            <a:schemeClr val="tx1"/>
+                          </a:solidFill>
+                          <a:latin typeface="Cambria Math" panose="02040503050406030204" pitchFamily="18" charset="0"/>
+                        </a:rPr>
+                        <m:t>z</m:t>
+                      </m:r>
+                      <m:r>
+                        <a:rPr lang="en-US" b="0" i="1" smtClean="0">
+                          <a:solidFill>
+                            <a:schemeClr val="tx1"/>
+                          </a:solidFill>
+                          <a:latin typeface="Cambria Math" panose="02040503050406030204" pitchFamily="18" charset="0"/>
+                        </a:rPr>
+                        <m:t>=</m:t>
+                      </m:r>
+                      <m:func>
+                        <m:funcPr>
+                          <m:ctrlPr>
+                            <a:rPr lang="en-US" i="1">
+                              <a:solidFill>
+                                <a:schemeClr val="tx1"/>
+                              </a:solidFill>
+                              <a:latin typeface="Cambria Math" panose="02040503050406030204" pitchFamily="18" charset="0"/>
+                            </a:rPr>
+                          </m:ctrlPr>
+                        </m:funcPr>
+                        <m:fName>
+                          <m:r>
+                            <m:rPr>
+                              <m:sty m:val="p"/>
+                            </m:rPr>
+                            <a:rPr lang="en-US">
+                              <a:solidFill>
+                                <a:schemeClr val="tx1"/>
+                              </a:solidFill>
+                              <a:latin typeface="Cambria Math" panose="02040503050406030204" pitchFamily="18" charset="0"/>
+                            </a:rPr>
+                            <m:t>cos</m:t>
+                          </m:r>
+                        </m:fName>
+                        <m:e>
+                          <m:sSub>
+                            <m:sSubPr>
+                              <m:ctrlPr>
+                                <a:rPr lang="en-US" i="1">
+                                  <a:solidFill>
+                                    <a:schemeClr val="tx1"/>
+                                  </a:solidFill>
+                                  <a:latin typeface="Cambria Math" panose="02040503050406030204" pitchFamily="18" charset="0"/>
+                                </a:rPr>
+                              </m:ctrlPr>
+                            </m:sSubPr>
+                            <m:e>
+                              <m:r>
+                                <a:rPr lang="en-US" i="1">
+                                  <a:solidFill>
+                                    <a:schemeClr val="tx1"/>
+                                  </a:solidFill>
+                                  <a:latin typeface="Cambria Math" panose="02040503050406030204" pitchFamily="18" charset="0"/>
+                                </a:rPr>
+                                <m:t>𝜃</m:t>
+                              </m:r>
+                            </m:e>
+                            <m:sub>
+                              <m:r>
+                                <a:rPr lang="en-US" i="1">
+                                  <a:solidFill>
+                                    <a:schemeClr val="tx1"/>
+                                  </a:solidFill>
+                                  <a:latin typeface="Cambria Math" panose="02040503050406030204" pitchFamily="18" charset="0"/>
+                                </a:rPr>
+                                <m:t>𝑦</m:t>
+                              </m:r>
+                            </m:sub>
+                          </m:sSub>
+                        </m:e>
+                      </m:func>
+                      <m:func>
+                        <m:funcPr>
+                          <m:ctrlPr>
+                            <a:rPr lang="en-US" i="1">
+                              <a:solidFill>
+                                <a:schemeClr val="tx1"/>
+                              </a:solidFill>
+                              <a:latin typeface="Cambria Math" panose="02040503050406030204" pitchFamily="18" charset="0"/>
+                            </a:rPr>
+                          </m:ctrlPr>
+                        </m:funcPr>
+                        <m:fName>
+                          <m:r>
+                            <m:rPr>
+                              <m:sty m:val="p"/>
+                            </m:rPr>
+                            <a:rPr lang="en-US" b="0" i="0" smtClean="0">
+                              <a:solidFill>
+                                <a:schemeClr val="tx1"/>
+                              </a:solidFill>
+                              <a:latin typeface="Cambria Math" panose="02040503050406030204" pitchFamily="18" charset="0"/>
+                            </a:rPr>
+                            <m:t>c</m:t>
+                          </m:r>
+                          <m:r>
+                            <a:rPr lang="en-US" b="0" i="1" smtClean="0">
+                              <a:solidFill>
+                                <a:schemeClr val="tx1"/>
+                              </a:solidFill>
+                              <a:latin typeface="Cambria Math" panose="02040503050406030204" pitchFamily="18" charset="0"/>
+                            </a:rPr>
+                            <m:t>𝑜𝑠</m:t>
+                          </m:r>
+                        </m:fName>
+                        <m:e>
+                          <m:sSub>
+                            <m:sSubPr>
+                              <m:ctrlPr>
+                                <a:rPr lang="en-US" i="1">
+                                  <a:solidFill>
+                                    <a:schemeClr val="tx1"/>
+                                  </a:solidFill>
+                                  <a:latin typeface="Cambria Math" panose="02040503050406030204" pitchFamily="18" charset="0"/>
+                                </a:rPr>
+                              </m:ctrlPr>
+                            </m:sSubPr>
+                            <m:e>
+                              <m:r>
+                                <a:rPr lang="en-US" i="1">
+                                  <a:solidFill>
+                                    <a:schemeClr val="tx1"/>
+                                  </a:solidFill>
+                                  <a:latin typeface="Cambria Math" panose="02040503050406030204" pitchFamily="18" charset="0"/>
+                                </a:rPr>
+                                <m:t>𝜃</m:t>
+                              </m:r>
+                            </m:e>
+                            <m:sub>
+                              <m:r>
+                                <a:rPr lang="en-US" i="1">
+                                  <a:solidFill>
+                                    <a:schemeClr val="tx1"/>
+                                  </a:solidFill>
+                                  <a:latin typeface="Cambria Math" panose="02040503050406030204" pitchFamily="18" charset="0"/>
+                                </a:rPr>
+                                <m:t>𝑥</m:t>
+                              </m:r>
+                            </m:sub>
+                          </m:sSub>
+                        </m:e>
+                      </m:func>
+                    </m:oMath>
+                    <m:oMath xmlns:m="http://schemas.openxmlformats.org/officeDocument/2006/math">
+                      <m:sSub>
+                        <m:sSubPr>
+                          <m:ctrlPr>
+                            <a:rPr lang="en-US" b="0" i="1" smtClean="0">
+                              <a:solidFill>
+                                <a:schemeClr val="tx1"/>
+                              </a:solidFill>
+                              <a:latin typeface="Cambria Math" panose="02040503050406030204" pitchFamily="18" charset="0"/>
+                            </a:rPr>
+                          </m:ctrlPr>
+                        </m:sSubPr>
+                        <m:e>
+                          <m:r>
+                            <a:rPr lang="en-US" b="0" i="1" smtClean="0">
+                              <a:solidFill>
+                                <a:schemeClr val="tx1"/>
+                              </a:solidFill>
+                              <a:latin typeface="Cambria Math" panose="02040503050406030204" pitchFamily="18" charset="0"/>
+                            </a:rPr>
+                            <m:t>𝜃</m:t>
+                          </m:r>
+                        </m:e>
+                        <m:sub>
+                          <m:r>
+                            <a:rPr lang="en-US" b="0" i="1" smtClean="0">
+                              <a:solidFill>
+                                <a:schemeClr val="tx1"/>
+                              </a:solidFill>
+                              <a:latin typeface="Cambria Math" panose="02040503050406030204" pitchFamily="18" charset="0"/>
+                            </a:rPr>
+                            <m:t>𝑥</m:t>
+                          </m:r>
+                        </m:sub>
+                      </m:sSub>
+                      <m:r>
+                        <a:rPr lang="en-US" b="0" i="1" smtClean="0">
+                          <a:solidFill>
+                            <a:schemeClr val="tx1"/>
+                          </a:solidFill>
+                          <a:latin typeface="Cambria Math" panose="02040503050406030204" pitchFamily="18" charset="0"/>
+                        </a:rPr>
+                        <m:t>=</m:t>
+                      </m:r>
+                      <m:func>
+                        <m:funcPr>
+                          <m:ctrlPr>
+                            <a:rPr lang="en-US" b="0" i="1" smtClean="0">
+                              <a:solidFill>
+                                <a:schemeClr val="tx1"/>
+                              </a:solidFill>
+                              <a:latin typeface="Cambria Math" panose="02040503050406030204" pitchFamily="18" charset="0"/>
+                            </a:rPr>
+                          </m:ctrlPr>
+                        </m:funcPr>
+                        <m:fName>
+                          <m:sSup>
+                            <m:sSupPr>
+                              <m:ctrlPr>
+                                <a:rPr lang="en-US" b="0" i="0" smtClean="0">
+                                  <a:solidFill>
+                                    <a:schemeClr val="tx1"/>
+                                  </a:solidFill>
+                                  <a:latin typeface="Cambria Math" panose="02040503050406030204" pitchFamily="18" charset="0"/>
+                                </a:rPr>
+                              </m:ctrlPr>
+                            </m:sSupPr>
+                            <m:e>
+                              <m:r>
+                                <m:rPr>
+                                  <m:sty m:val="p"/>
+                                </m:rPr>
+                                <a:rPr lang="en-US" b="0" i="0" smtClean="0">
+                                  <a:solidFill>
+                                    <a:schemeClr val="tx1"/>
+                                  </a:solidFill>
+                                  <a:latin typeface="Cambria Math" panose="02040503050406030204" pitchFamily="18" charset="0"/>
+                                </a:rPr>
+                                <m:t>tan</m:t>
+                              </m:r>
+                            </m:e>
+                            <m:sup>
+                              <m:r>
+                                <a:rPr lang="en-US" b="0" i="1" smtClean="0">
+                                  <a:solidFill>
+                                    <a:schemeClr val="tx1"/>
+                                  </a:solidFill>
+                                  <a:latin typeface="Cambria Math" panose="02040503050406030204" pitchFamily="18" charset="0"/>
+                                </a:rPr>
+                                <m:t>−1</m:t>
+                              </m:r>
+                            </m:sup>
+                          </m:sSup>
+                        </m:fName>
+                        <m:e>
+                          <m:f>
+                            <m:fPr>
+                              <m:ctrlPr>
+                                <a:rPr lang="en-US" b="0" i="1" smtClean="0">
+                                  <a:solidFill>
+                                    <a:schemeClr val="tx1"/>
+                                  </a:solidFill>
+                                  <a:latin typeface="Cambria Math" panose="02040503050406030204" pitchFamily="18" charset="0"/>
+                                </a:rPr>
+                              </m:ctrlPr>
+                            </m:fPr>
+                            <m:num>
+                              <m:r>
+                                <a:rPr lang="en-US" b="0" i="1" smtClean="0">
+                                  <a:solidFill>
+                                    <a:schemeClr val="tx1"/>
+                                  </a:solidFill>
+                                  <a:latin typeface="Cambria Math" panose="02040503050406030204" pitchFamily="18" charset="0"/>
+                                </a:rPr>
+                                <m:t>𝑥</m:t>
+                              </m:r>
+                            </m:num>
+                            <m:den>
+                              <m:r>
+                                <a:rPr lang="en-US" b="0" i="1" smtClean="0">
+                                  <a:solidFill>
+                                    <a:schemeClr val="tx1"/>
+                                  </a:solidFill>
+                                  <a:latin typeface="Cambria Math" panose="02040503050406030204" pitchFamily="18" charset="0"/>
+                                </a:rPr>
+                                <m:t>𝑧</m:t>
+                              </m:r>
+                            </m:den>
+                          </m:f>
+                        </m:e>
+                      </m:func>
+                    </m:oMath>
+                    <m:oMath xmlns:m="http://schemas.openxmlformats.org/officeDocument/2006/math">
+                      <m:sSub>
+                        <m:sSubPr>
+                          <m:ctrlPr>
+                            <a:rPr lang="en-US" b="0" i="1" smtClean="0">
+                              <a:solidFill>
+                                <a:schemeClr val="tx1"/>
+                              </a:solidFill>
+                              <a:latin typeface="Cambria Math" panose="02040503050406030204" pitchFamily="18" charset="0"/>
+                            </a:rPr>
+                          </m:ctrlPr>
+                        </m:sSubPr>
+                        <m:e>
+                          <m:r>
+                            <a:rPr lang="en-US" b="0" i="1" smtClean="0">
+                              <a:solidFill>
+                                <a:schemeClr val="tx1"/>
+                              </a:solidFill>
+                              <a:latin typeface="Cambria Math" panose="02040503050406030204" pitchFamily="18" charset="0"/>
+                            </a:rPr>
+                            <m:t>𝜃</m:t>
+                          </m:r>
+                        </m:e>
+                        <m:sub>
+                          <m:r>
+                            <a:rPr lang="en-US" b="0" i="1" smtClean="0">
+                              <a:solidFill>
+                                <a:schemeClr val="tx1"/>
+                              </a:solidFill>
+                              <a:latin typeface="Cambria Math" panose="02040503050406030204" pitchFamily="18" charset="0"/>
+                            </a:rPr>
+                            <m:t>𝑦</m:t>
+                          </m:r>
+                        </m:sub>
+                      </m:sSub>
+                      <m:r>
+                        <a:rPr lang="en-US" b="0" i="1" smtClean="0">
+                          <a:solidFill>
+                            <a:schemeClr val="tx1"/>
+                          </a:solidFill>
+                          <a:latin typeface="Cambria Math" panose="02040503050406030204" pitchFamily="18" charset="0"/>
+                        </a:rPr>
+                        <m:t>=</m:t>
+                      </m:r>
+                      <m:func>
+                        <m:funcPr>
+                          <m:ctrlPr>
+                            <a:rPr lang="en-US" b="0" i="1" smtClean="0">
+                              <a:solidFill>
+                                <a:schemeClr val="tx1"/>
+                              </a:solidFill>
+                              <a:latin typeface="Cambria Math" panose="02040503050406030204" pitchFamily="18" charset="0"/>
+                            </a:rPr>
+                          </m:ctrlPr>
+                        </m:funcPr>
+                        <m:fName>
+                          <m:sSup>
+                            <m:sSupPr>
+                              <m:ctrlPr>
+                                <a:rPr lang="en-US" b="0" i="1" smtClean="0">
+                                  <a:solidFill>
+                                    <a:schemeClr val="tx1"/>
+                                  </a:solidFill>
+                                  <a:latin typeface="Cambria Math" panose="02040503050406030204" pitchFamily="18" charset="0"/>
+                                </a:rPr>
+                              </m:ctrlPr>
+                            </m:sSupPr>
+                            <m:e>
+                              <m:r>
+                                <m:rPr>
+                                  <m:sty m:val="p"/>
+                                </m:rPr>
+                                <a:rPr lang="en-US" b="0" i="0" smtClean="0">
+                                  <a:solidFill>
+                                    <a:schemeClr val="tx1"/>
+                                  </a:solidFill>
+                                  <a:latin typeface="Cambria Math" panose="02040503050406030204" pitchFamily="18" charset="0"/>
+                                </a:rPr>
+                                <m:t>sin</m:t>
+                              </m:r>
+                            </m:e>
+                            <m:sup>
+                              <m:r>
+                                <a:rPr lang="en-US" b="0" i="1" smtClean="0">
+                                  <a:solidFill>
+                                    <a:schemeClr val="tx1"/>
+                                  </a:solidFill>
+                                  <a:latin typeface="Cambria Math" panose="02040503050406030204" pitchFamily="18" charset="0"/>
+                                </a:rPr>
+                                <m:t>−1</m:t>
+                              </m:r>
+                            </m:sup>
+                          </m:sSup>
+                        </m:fName>
+                        <m:e>
+                          <m:r>
+                            <a:rPr lang="en-US" i="1">
+                              <a:latin typeface="Cambria Math" panose="02040503050406030204" pitchFamily="18" charset="0"/>
+                            </a:rPr>
+                            <m:t>(</m:t>
+                          </m:r>
+                          <m:r>
+                            <a:rPr lang="en-US" i="1">
+                              <a:latin typeface="Cambria Math" panose="02040503050406030204" pitchFamily="18" charset="0"/>
+                            </a:rPr>
+                            <m:t>𝑦</m:t>
+                          </m:r>
+                          <m:r>
+                            <a:rPr lang="en-US" i="1">
+                              <a:latin typeface="Cambria Math" panose="02040503050406030204" pitchFamily="18" charset="0"/>
+                            </a:rPr>
+                            <m:t>)</m:t>
+                          </m:r>
+                        </m:e>
+                      </m:func>
+                    </m:oMath>
+                  </m:oMathPara>
+                </a14:m>
+                <a:r>
+                  <a:rPr lang="en-US" dirty="0">
+                    <a:solidFill>
+                      <a:schemeClr val="tx1"/>
+                    </a:solidFill>
+                  </a:rPr>
+                  <a:t/>
+                </a:r>
+                <a:br>
+                  <a:rPr lang="en-US" dirty="0">
+                    <a:solidFill>
+                      <a:schemeClr val="tx1"/>
+                    </a:solidFill>
+                  </a:rPr>
+                </a:br>
+                <a:endParaRPr lang="en-US" dirty="0">
+                  <a:solidFill>
+                    <a:schemeClr val="tx1"/>
+                  </a:solidFill>
+                </a:endParaRPr>
+              </a:p>
+            </p:txBody>
+          </p:sp>
+        </mc:Choice>
+        <mc:Fallback>
+          <p:sp>
+            <p:nvSpPr>
+              <p:cNvPr id="118" name="Rectangle 117"/>
+              <p:cNvSpPr>
+                <a:spLocks noRot="1" noChangeAspect="1" noMove="1" noResize="1" noEditPoints="1" noAdjustHandles="1" noChangeArrowheads="1" noChangeShapeType="1" noTextEdit="1"/>
+              </p:cNvSpPr>
+              <p:nvPr/>
+            </p:nvSpPr>
+            <p:spPr>
+              <a:xfrm>
+                <a:off x="617512" y="958586"/>
+                <a:ext cx="1984326" cy="1790683"/>
+              </a:xfrm>
+              <a:prstGeom prst="rect">
+                <a:avLst/>
+              </a:prstGeom>
+              <a:blipFill rotWithShape="0">
+                <a:blip r:embed="rId15"/>
+                <a:stretch>
+                  <a:fillRect/>
+                </a:stretch>
+              </a:blipFill>
+            </p:spPr>
+            <p:txBody>
+              <a:bodyPr/>
+              <a:lstStyle/>
+              <a:p>
+                <a:r>
+                  <a:rPr lang="en-US">
+                    <a:noFill/>
+                  </a:rPr>
+                  <a:t> </a:t>
+                </a:r>
+              </a:p>
+            </p:txBody>
+          </p:sp>
+        </mc:Fallback>
+      </mc:AlternateContent>
     </p:spTree>
     <p:extLst>
       <p:ext uri="{BB962C8B-B14F-4D97-AF65-F5344CB8AC3E}">
